--- a/presentation/server/public/assets/Presentation1.pptx
+++ b/presentation/server/public/assets/Presentation1.pptx
@@ -7,6 +7,8 @@
   <p:sldIdLst>
     <p:sldId id="256" r:id="rId3"/>
     <p:sldId id="257" r:id="rId4"/>
+    <p:sldId id="258" r:id="rId5"/>
+    <p:sldId id="259" r:id="rId6"/>
   </p:sldIdLst>
   <p:sldSz cx="12192000" cy="6858000"/>
   <p:notesSz cx="7103745" cy="10234295"/>
@@ -6348,6 +6350,1386 @@
 </p:sld>
 </file>
 
+<file path=ppt/slides/slide3.xml><?xml version="1.0" encoding="utf-8"?>
+<p:sld xmlns:a="http://schemas.openxmlformats.org/drawingml/2006/main" xmlns:r="http://schemas.openxmlformats.org/officeDocument/2006/relationships" xmlns:p="http://schemas.openxmlformats.org/presentationml/2006/main">
+  <p:cSld>
+    <p:spTree>
+      <p:nvGrpSpPr>
+        <p:cNvPr id="1" name=""/>
+        <p:cNvGrpSpPr/>
+        <p:nvPr/>
+      </p:nvGrpSpPr>
+      <p:grpSpPr/>
+      <p:sp>
+        <p:nvSpPr>
+          <p:cNvPr id="27" name="Text Box 26"/>
+          <p:cNvSpPr txBox="1"/>
+          <p:nvPr/>
+        </p:nvSpPr>
+        <p:spPr>
+          <a:xfrm>
+            <a:off x="8695690" y="3594735"/>
+            <a:ext cx="800735" cy="368300"/>
+          </a:xfrm>
+          <a:prstGeom prst="rect">
+            <a:avLst/>
+          </a:prstGeom>
+          <a:noFill/>
+        </p:spPr>
+        <p:txBody>
+          <a:bodyPr wrap="none" rtlCol="0">
+            <a:spAutoFit/>
+          </a:bodyPr>
+          <a:p>
+            <a:pPr algn="ctr"/>
+            <a:r>
+              <a:rPr lang="" altLang="en-US">
+                <a:solidFill>
+                  <a:schemeClr val="bg1">
+                    <a:lumMod val="75000"/>
+                  </a:schemeClr>
+                </a:solidFill>
+              </a:rPr>
+              <a:t>BACK</a:t>
+            </a:r>
+            <a:endParaRPr lang="" altLang="en-US">
+              <a:solidFill>
+                <a:schemeClr val="bg1">
+                  <a:lumMod val="75000"/>
+                </a:schemeClr>
+              </a:solidFill>
+            </a:endParaRPr>
+          </a:p>
+        </p:txBody>
+      </p:sp>
+      <p:cxnSp>
+        <p:nvCxnSpPr>
+          <p:cNvPr id="18" name="Straight Connector 17"/>
+          <p:cNvCxnSpPr/>
+          <p:nvPr/>
+        </p:nvCxnSpPr>
+        <p:spPr>
+          <a:xfrm>
+            <a:off x="7816850" y="1811020"/>
+            <a:ext cx="0" cy="3040380"/>
+          </a:xfrm>
+          <a:prstGeom prst="line">
+            <a:avLst/>
+          </a:prstGeom>
+          <a:ln>
+            <a:solidFill>
+              <a:schemeClr val="bg1">
+                <a:lumMod val="65000"/>
+              </a:schemeClr>
+            </a:solidFill>
+            <a:prstDash val="dash"/>
+          </a:ln>
+        </p:spPr>
+        <p:style>
+          <a:lnRef idx="1">
+            <a:schemeClr val="accent1"/>
+          </a:lnRef>
+          <a:fillRef idx="0">
+            <a:schemeClr val="accent1"/>
+          </a:fillRef>
+          <a:effectRef idx="0">
+            <a:schemeClr val="accent1"/>
+          </a:effectRef>
+          <a:fontRef idx="minor">
+            <a:schemeClr val="tx1"/>
+          </a:fontRef>
+        </p:style>
+      </p:cxnSp>
+      <p:cxnSp>
+        <p:nvCxnSpPr>
+          <p:cNvPr id="19" name="Straight Connector 18"/>
+          <p:cNvCxnSpPr/>
+          <p:nvPr/>
+        </p:nvCxnSpPr>
+        <p:spPr>
+          <a:xfrm flipH="1">
+            <a:off x="7815580" y="4817110"/>
+            <a:ext cx="3246120" cy="1270"/>
+          </a:xfrm>
+          <a:prstGeom prst="line">
+            <a:avLst/>
+          </a:prstGeom>
+          <a:ln>
+            <a:solidFill>
+              <a:schemeClr val="bg1">
+                <a:lumMod val="65000"/>
+              </a:schemeClr>
+            </a:solidFill>
+            <a:prstDash val="dash"/>
+          </a:ln>
+        </p:spPr>
+        <p:style>
+          <a:lnRef idx="1">
+            <a:schemeClr val="accent1"/>
+          </a:lnRef>
+          <a:fillRef idx="0">
+            <a:schemeClr val="accent1"/>
+          </a:fillRef>
+          <a:effectRef idx="0">
+            <a:schemeClr val="accent1"/>
+          </a:effectRef>
+          <a:fontRef idx="minor">
+            <a:schemeClr val="tx1"/>
+          </a:fontRef>
+        </p:style>
+      </p:cxnSp>
+      <p:cxnSp>
+        <p:nvCxnSpPr>
+          <p:cNvPr id="20" name="Straight Connector 19"/>
+          <p:cNvCxnSpPr/>
+          <p:nvPr/>
+        </p:nvCxnSpPr>
+        <p:spPr>
+          <a:xfrm flipV="1">
+            <a:off x="6815455" y="4825365"/>
+            <a:ext cx="1007745" cy="990600"/>
+          </a:xfrm>
+          <a:prstGeom prst="line">
+            <a:avLst/>
+          </a:prstGeom>
+          <a:ln>
+            <a:solidFill>
+              <a:schemeClr val="bg1">
+                <a:lumMod val="65000"/>
+              </a:schemeClr>
+            </a:solidFill>
+            <a:prstDash val="dash"/>
+          </a:ln>
+        </p:spPr>
+        <p:style>
+          <a:lnRef idx="1">
+            <a:schemeClr val="accent1"/>
+          </a:lnRef>
+          <a:fillRef idx="0">
+            <a:schemeClr val="accent1"/>
+          </a:fillRef>
+          <a:effectRef idx="0">
+            <a:schemeClr val="accent1"/>
+          </a:effectRef>
+          <a:fontRef idx="minor">
+            <a:schemeClr val="tx1"/>
+          </a:fontRef>
+        </p:style>
+      </p:cxnSp>
+      <p:pic>
+        <p:nvPicPr>
+          <p:cNvPr id="6" name="Picture 5" descr="irish_pub_cubemap"/>
+          <p:cNvPicPr>
+            <a:picLocks noChangeAspect="1"/>
+          </p:cNvPicPr>
+          <p:nvPr/>
+        </p:nvPicPr>
+        <p:blipFill>
+          <a:blip r:embed="rId1"/>
+          <a:stretch>
+            <a:fillRect/>
+          </a:stretch>
+        </p:blipFill>
+        <p:spPr>
+          <a:xfrm>
+            <a:off x="570865" y="2028825"/>
+            <a:ext cx="4787900" cy="3593465"/>
+          </a:xfrm>
+          <a:prstGeom prst="rect">
+            <a:avLst/>
+          </a:prstGeom>
+        </p:spPr>
+      </p:pic>
+      <p:pic>
+        <p:nvPicPr>
+          <p:cNvPr id="8" name="Picture 7"/>
+          <p:cNvPicPr>
+            <a:picLocks noChangeAspect="1"/>
+          </p:cNvPicPr>
+          <p:nvPr/>
+        </p:nvPicPr>
+        <p:blipFill>
+          <a:blip r:embed="rId2"/>
+          <a:stretch>
+            <a:fillRect/>
+          </a:stretch>
+        </p:blipFill>
+        <p:spPr>
+          <a:xfrm rot="720000" flipH="1">
+            <a:off x="7804785" y="3401060"/>
+            <a:ext cx="1427480" cy="1616075"/>
+          </a:xfrm>
+          <a:prstGeom prst="rect">
+            <a:avLst/>
+          </a:prstGeom>
+        </p:spPr>
+      </p:pic>
+      <p:sp>
+        <p:nvSpPr>
+          <p:cNvPr id="10" name="Cube 9"/>
+          <p:cNvSpPr/>
+          <p:nvPr/>
+        </p:nvSpPr>
+        <p:spPr>
+          <a:xfrm>
+            <a:off x="6808470" y="1818640"/>
+            <a:ext cx="4257040" cy="4013200"/>
+          </a:xfrm>
+          <a:prstGeom prst="cube">
+            <a:avLst/>
+          </a:prstGeom>
+          <a:noFill/>
+          <a:extLst>
+            <a:ext uri="{909E8E84-426E-40DD-AFC4-6F175D3DCCD1}">
+              <a14:hiddenFill xmlns:a14="http://schemas.microsoft.com/office/drawing/2010/main">
+                <a:solidFill>
+                  <a:schemeClr val="accent1"/>
+                </a:solidFill>
+              </a14:hiddenFill>
+            </a:ext>
+          </a:extLst>
+        </p:spPr>
+        <p:style>
+          <a:lnRef idx="2">
+            <a:schemeClr val="accent1">
+              <a:shade val="50000"/>
+            </a:schemeClr>
+          </a:lnRef>
+          <a:fillRef idx="1">
+            <a:schemeClr val="accent1"/>
+          </a:fillRef>
+          <a:effectRef idx="0">
+            <a:schemeClr val="accent1"/>
+          </a:effectRef>
+          <a:fontRef idx="minor">
+            <a:schemeClr val="lt1"/>
+          </a:fontRef>
+        </p:style>
+        <p:txBody>
+          <a:bodyPr rtlCol="0" anchor="ctr"/>
+          <a:p>
+            <a:pPr algn="ctr"/>
+            <a:endParaRPr lang="en-US"/>
+          </a:p>
+        </p:txBody>
+      </p:sp>
+      <p:pic>
+        <p:nvPicPr>
+          <p:cNvPr id="42" name="Picture 41"/>
+          <p:cNvPicPr>
+            <a:picLocks noChangeAspect="1"/>
+          </p:cNvPicPr>
+          <p:nvPr/>
+        </p:nvPicPr>
+        <p:blipFill>
+          <a:blip r:embed="rId3">
+            <a:clrChange>
+              <a:clrFrom>
+                <a:srgbClr val="FFFFFF">
+                  <a:alpha val="100000"/>
+                </a:srgbClr>
+              </a:clrFrom>
+              <a:clrTo>
+                <a:srgbClr val="FFFFFF">
+                  <a:alpha val="100000"/>
+                  <a:alpha val="0"/>
+                </a:srgbClr>
+              </a:clrTo>
+            </a:clrChange>
+          </a:blip>
+          <a:srcRect l="1569" t="5079" r="80013" b="59937"/>
+          <a:stretch>
+            <a:fillRect/>
+          </a:stretch>
+        </p:blipFill>
+        <p:spPr>
+          <a:xfrm>
+            <a:off x="6252845" y="1752600"/>
+            <a:ext cx="715645" cy="699770"/>
+          </a:xfrm>
+          <a:prstGeom prst="rect">
+            <a:avLst/>
+          </a:prstGeom>
+        </p:spPr>
+      </p:pic>
+      <p:cxnSp>
+        <p:nvCxnSpPr>
+          <p:cNvPr id="11" name="Straight Arrow Connector 10"/>
+          <p:cNvCxnSpPr/>
+          <p:nvPr/>
+        </p:nvCxnSpPr>
+        <p:spPr>
+          <a:xfrm>
+            <a:off x="6891020" y="2385060"/>
+            <a:ext cx="1059815" cy="1757045"/>
+          </a:xfrm>
+          <a:prstGeom prst="straightConnector1">
+            <a:avLst/>
+          </a:prstGeom>
+          <a:ln w="19050">
+            <a:tailEnd type="arrow"/>
+          </a:ln>
+        </p:spPr>
+        <p:style>
+          <a:lnRef idx="1">
+            <a:schemeClr val="accent1"/>
+          </a:lnRef>
+          <a:fillRef idx="0">
+            <a:schemeClr val="accent1"/>
+          </a:fillRef>
+          <a:effectRef idx="0">
+            <a:schemeClr val="accent1"/>
+          </a:effectRef>
+          <a:fontRef idx="minor">
+            <a:schemeClr val="tx1"/>
+          </a:fontRef>
+        </p:style>
+      </p:cxnSp>
+      <p:cxnSp>
+        <p:nvCxnSpPr>
+          <p:cNvPr id="12" name="Straight Arrow Connector 11"/>
+          <p:cNvCxnSpPr/>
+          <p:nvPr/>
+        </p:nvCxnSpPr>
+        <p:spPr>
+          <a:xfrm flipH="1" flipV="1">
+            <a:off x="7452995" y="3854450"/>
+            <a:ext cx="495300" cy="290195"/>
+          </a:xfrm>
+          <a:prstGeom prst="straightConnector1">
+            <a:avLst/>
+          </a:prstGeom>
+          <a:ln w="19050">
+            <a:solidFill>
+              <a:schemeClr val="tx1"/>
+            </a:solidFill>
+            <a:tailEnd type="arrow"/>
+          </a:ln>
+        </p:spPr>
+        <p:style>
+          <a:lnRef idx="1">
+            <a:schemeClr val="accent1"/>
+          </a:lnRef>
+          <a:fillRef idx="0">
+            <a:schemeClr val="accent1"/>
+          </a:fillRef>
+          <a:effectRef idx="0">
+            <a:schemeClr val="accent1"/>
+          </a:effectRef>
+          <a:fontRef idx="minor">
+            <a:schemeClr val="tx1"/>
+          </a:fontRef>
+        </p:style>
+      </p:cxnSp>
+      <p:cxnSp>
+        <p:nvCxnSpPr>
+          <p:cNvPr id="13" name="Straight Arrow Connector 12"/>
+          <p:cNvCxnSpPr/>
+          <p:nvPr/>
+        </p:nvCxnSpPr>
+        <p:spPr>
+          <a:xfrm flipH="1" flipV="1">
+            <a:off x="7369810" y="4100830"/>
+            <a:ext cx="575310" cy="54610"/>
+          </a:xfrm>
+          <a:prstGeom prst="straightConnector1">
+            <a:avLst/>
+          </a:prstGeom>
+          <a:ln w="19050">
+            <a:tailEnd type="arrow"/>
+          </a:ln>
+        </p:spPr>
+        <p:style>
+          <a:lnRef idx="1">
+            <a:schemeClr val="accent1"/>
+          </a:lnRef>
+          <a:fillRef idx="0">
+            <a:schemeClr val="accent1"/>
+          </a:fillRef>
+          <a:effectRef idx="0">
+            <a:schemeClr val="accent1"/>
+          </a:effectRef>
+          <a:fontRef idx="minor">
+            <a:schemeClr val="tx1"/>
+          </a:fontRef>
+        </p:style>
+      </p:cxnSp>
+      <p:sp>
+        <p:nvSpPr>
+          <p:cNvPr id="14" name="Text Box 13"/>
+          <p:cNvSpPr txBox="1"/>
+          <p:nvPr/>
+        </p:nvSpPr>
+        <p:spPr>
+          <a:xfrm>
+            <a:off x="7627620" y="3461385"/>
+            <a:ext cx="225425" cy="275590"/>
+          </a:xfrm>
+          <a:prstGeom prst="rect">
+            <a:avLst/>
+          </a:prstGeom>
+          <a:noFill/>
+        </p:spPr>
+        <p:txBody>
+          <a:bodyPr wrap="none" rtlCol="0">
+            <a:spAutoFit/>
+          </a:bodyPr>
+          <a:p>
+            <a:r>
+              <a:rPr lang="" altLang="en-US" sz="1200"/>
+              <a:t>i</a:t>
+            </a:r>
+            <a:endParaRPr lang="" altLang="en-US" sz="1200"/>
+          </a:p>
+        </p:txBody>
+      </p:sp>
+      <p:sp>
+        <p:nvSpPr>
+          <p:cNvPr id="16" name="Text Box 15"/>
+          <p:cNvSpPr txBox="1"/>
+          <p:nvPr/>
+        </p:nvSpPr>
+        <p:spPr>
+          <a:xfrm>
+            <a:off x="7138670" y="4142105"/>
+            <a:ext cx="245745" cy="275590"/>
+          </a:xfrm>
+          <a:prstGeom prst="rect">
+            <a:avLst/>
+          </a:prstGeom>
+          <a:noFill/>
+        </p:spPr>
+        <p:txBody>
+          <a:bodyPr wrap="none" rtlCol="0">
+            <a:spAutoFit/>
+          </a:bodyPr>
+          <a:p>
+            <a:r>
+              <a:rPr lang="" altLang="en-US" sz="1200"/>
+              <a:t>r</a:t>
+            </a:r>
+            <a:endParaRPr lang="" altLang="en-US" sz="1200"/>
+          </a:p>
+        </p:txBody>
+      </p:sp>
+      <p:sp>
+        <p:nvSpPr>
+          <p:cNvPr id="17" name="Text Box 16"/>
+          <p:cNvSpPr txBox="1"/>
+          <p:nvPr/>
+        </p:nvSpPr>
+        <p:spPr>
+          <a:xfrm>
+            <a:off x="7087870" y="3641090"/>
+            <a:ext cx="279400" cy="275590"/>
+          </a:xfrm>
+          <a:prstGeom prst="rect">
+            <a:avLst/>
+          </a:prstGeom>
+          <a:noFill/>
+        </p:spPr>
+        <p:txBody>
+          <a:bodyPr wrap="none" rtlCol="0">
+            <a:spAutoFit/>
+          </a:bodyPr>
+          <a:p>
+            <a:r>
+              <a:rPr lang="" altLang="en-US" sz="1200"/>
+              <a:t>n</a:t>
+            </a:r>
+            <a:endParaRPr lang="" altLang="en-US" sz="1200"/>
+          </a:p>
+        </p:txBody>
+      </p:sp>
+      <p:cxnSp>
+        <p:nvCxnSpPr>
+          <p:cNvPr id="21" name="Straight Arrow Connector 20"/>
+          <p:cNvCxnSpPr/>
+          <p:nvPr/>
+        </p:nvCxnSpPr>
+        <p:spPr>
+          <a:xfrm flipH="1" flipV="1">
+            <a:off x="7002145" y="4066540"/>
+            <a:ext cx="393065" cy="34290"/>
+          </a:xfrm>
+          <a:prstGeom prst="straightConnector1">
+            <a:avLst/>
+          </a:prstGeom>
+          <a:ln>
+            <a:prstDash val="dash"/>
+            <a:headEnd type="none"/>
+            <a:tailEnd type="none"/>
+          </a:ln>
+        </p:spPr>
+        <p:style>
+          <a:lnRef idx="1">
+            <a:schemeClr val="accent1"/>
+          </a:lnRef>
+          <a:fillRef idx="0">
+            <a:schemeClr val="accent1"/>
+          </a:fillRef>
+          <a:effectRef idx="0">
+            <a:schemeClr val="accent1"/>
+          </a:effectRef>
+          <a:fontRef idx="minor">
+            <a:schemeClr val="tx1"/>
+          </a:fontRef>
+        </p:style>
+      </p:cxnSp>
+      <p:sp>
+        <p:nvSpPr>
+          <p:cNvPr id="22" name="Flowchart: Summing Junction 21"/>
+          <p:cNvSpPr/>
+          <p:nvPr/>
+        </p:nvSpPr>
+        <p:spPr>
+          <a:xfrm>
+            <a:off x="6960870" y="4025900"/>
+            <a:ext cx="85725" cy="85090"/>
+          </a:xfrm>
+          <a:prstGeom prst="flowChartSummingJunction">
+            <a:avLst/>
+          </a:prstGeom>
+          <a:solidFill>
+            <a:srgbClr val="C00000"/>
+          </a:solidFill>
+          <a:ln>
+            <a:noFill/>
+          </a:ln>
+        </p:spPr>
+        <p:style>
+          <a:lnRef idx="2">
+            <a:schemeClr val="accent2">
+              <a:shade val="50000"/>
+            </a:schemeClr>
+          </a:lnRef>
+          <a:fillRef idx="1">
+            <a:schemeClr val="accent2"/>
+          </a:fillRef>
+          <a:effectRef idx="0">
+            <a:schemeClr val="accent2"/>
+          </a:effectRef>
+          <a:fontRef idx="minor">
+            <a:schemeClr val="lt1"/>
+          </a:fontRef>
+        </p:style>
+        <p:txBody>
+          <a:bodyPr rtlCol="0" anchor="ctr"/>
+          <a:p>
+            <a:pPr algn="ctr"/>
+            <a:endParaRPr lang="en-US"/>
+          </a:p>
+        </p:txBody>
+      </p:sp>
+      <p:sp>
+        <p:nvSpPr>
+          <p:cNvPr id="23" name="Text Box 22"/>
+          <p:cNvSpPr txBox="1"/>
+          <p:nvPr/>
+        </p:nvSpPr>
+        <p:spPr>
+          <a:xfrm>
+            <a:off x="7691755" y="5922645"/>
+            <a:ext cx="1652905" cy="368300"/>
+          </a:xfrm>
+          <a:prstGeom prst="rect">
+            <a:avLst/>
+          </a:prstGeom>
+          <a:noFill/>
+        </p:spPr>
+        <p:txBody>
+          <a:bodyPr wrap="none" rtlCol="0">
+            <a:spAutoFit/>
+          </a:bodyPr>
+          <a:p>
+            <a:pPr algn="ctr"/>
+            <a:r>
+              <a:rPr lang="" altLang="en-US"/>
+              <a:t>r = i - 2n(n.i)</a:t>
+            </a:r>
+            <a:endParaRPr lang="" altLang="en-US"/>
+          </a:p>
+        </p:txBody>
+      </p:sp>
+      <p:sp>
+        <p:nvSpPr>
+          <p:cNvPr id="24" name="Text Box 23"/>
+          <p:cNvSpPr txBox="1"/>
+          <p:nvPr/>
+        </p:nvSpPr>
+        <p:spPr>
+          <a:xfrm rot="21120000">
+            <a:off x="8554085" y="2078355"/>
+            <a:ext cx="773430" cy="398780"/>
+          </a:xfrm>
+          <a:prstGeom prst="rect">
+            <a:avLst/>
+          </a:prstGeom>
+          <a:noFill/>
+        </p:spPr>
+        <p:txBody>
+          <a:bodyPr wrap="square" rtlCol="0">
+            <a:spAutoFit/>
+            <a:scene3d>
+              <a:camera prst="isometricOffAxis2Top"/>
+              <a:lightRig rig="threePt" dir="t"/>
+            </a:scene3d>
+          </a:bodyPr>
+          <a:p>
+            <a:pPr algn="ctr"/>
+            <a:r>
+              <a:rPr lang="" altLang="en-US" sz="2000">
+                <a:solidFill>
+                  <a:schemeClr val="tx1">
+                    <a:lumMod val="50000"/>
+                    <a:lumOff val="50000"/>
+                  </a:schemeClr>
+                </a:solidFill>
+              </a:rPr>
+              <a:t>TOP</a:t>
+            </a:r>
+            <a:endParaRPr lang="" altLang="en-US" sz="2000">
+              <a:solidFill>
+                <a:schemeClr val="tx1">
+                  <a:lumMod val="50000"/>
+                  <a:lumOff val="50000"/>
+                </a:schemeClr>
+              </a:solidFill>
+            </a:endParaRPr>
+          </a:p>
+        </p:txBody>
+      </p:sp>
+      <p:sp>
+        <p:nvSpPr>
+          <p:cNvPr id="25" name="Text Box 24"/>
+          <p:cNvSpPr txBox="1"/>
+          <p:nvPr/>
+        </p:nvSpPr>
+        <p:spPr>
+          <a:xfrm rot="21240000">
+            <a:off x="10017125" y="3641090"/>
+            <a:ext cx="1090295" cy="368300"/>
+          </a:xfrm>
+          <a:prstGeom prst="rect">
+            <a:avLst/>
+          </a:prstGeom>
+          <a:noFill/>
+        </p:spPr>
+        <p:txBody>
+          <a:bodyPr wrap="square" rtlCol="0">
+            <a:spAutoFit/>
+            <a:scene3d>
+              <a:camera prst="isometricOffAxis2Right"/>
+              <a:lightRig rig="threePt" dir="t"/>
+            </a:scene3d>
+          </a:bodyPr>
+          <a:p>
+            <a:pPr algn="ctr"/>
+            <a:r>
+              <a:rPr lang="" altLang="en-US">
+                <a:solidFill>
+                  <a:schemeClr val="tx1">
+                    <a:lumMod val="50000"/>
+                    <a:lumOff val="50000"/>
+                  </a:schemeClr>
+                </a:solidFill>
+              </a:rPr>
+              <a:t>RIGHT</a:t>
+            </a:r>
+            <a:endParaRPr lang="" altLang="en-US">
+              <a:solidFill>
+                <a:schemeClr val="tx1">
+                  <a:lumMod val="50000"/>
+                  <a:lumOff val="50000"/>
+                </a:schemeClr>
+              </a:solidFill>
+            </a:endParaRPr>
+          </a:p>
+        </p:txBody>
+      </p:sp>
+      <p:sp>
+        <p:nvSpPr>
+          <p:cNvPr id="26" name="Text Box 25"/>
+          <p:cNvSpPr txBox="1"/>
+          <p:nvPr/>
+        </p:nvSpPr>
+        <p:spPr>
+          <a:xfrm rot="21120000">
+            <a:off x="8236585" y="5121275"/>
+            <a:ext cx="1400810" cy="398780"/>
+          </a:xfrm>
+          <a:prstGeom prst="rect">
+            <a:avLst/>
+          </a:prstGeom>
+          <a:noFill/>
+        </p:spPr>
+        <p:txBody>
+          <a:bodyPr wrap="square" rtlCol="0">
+            <a:spAutoFit/>
+            <a:scene3d>
+              <a:camera prst="isometricOffAxis2Top"/>
+              <a:lightRig rig="threePt" dir="t"/>
+            </a:scene3d>
+          </a:bodyPr>
+          <a:p>
+            <a:pPr algn="ctr"/>
+            <a:r>
+              <a:rPr lang="" altLang="en-US" sz="2000">
+                <a:solidFill>
+                  <a:schemeClr val="bg1">
+                    <a:lumMod val="75000"/>
+                  </a:schemeClr>
+                </a:solidFill>
+              </a:rPr>
+              <a:t>BOTTOM</a:t>
+            </a:r>
+            <a:endParaRPr lang="" altLang="en-US" sz="2000">
+              <a:solidFill>
+                <a:schemeClr val="bg1">
+                  <a:lumMod val="75000"/>
+                </a:schemeClr>
+              </a:solidFill>
+            </a:endParaRPr>
+          </a:p>
+        </p:txBody>
+      </p:sp>
+      <p:sp>
+        <p:nvSpPr>
+          <p:cNvPr id="28" name="Text Box 27"/>
+          <p:cNvSpPr txBox="1"/>
+          <p:nvPr/>
+        </p:nvSpPr>
+        <p:spPr>
+          <a:xfrm>
+            <a:off x="1037590" y="5922645"/>
+            <a:ext cx="3854450" cy="368300"/>
+          </a:xfrm>
+          <a:prstGeom prst="rect">
+            <a:avLst/>
+          </a:prstGeom>
+          <a:noFill/>
+        </p:spPr>
+        <p:txBody>
+          <a:bodyPr wrap="square" rtlCol="0">
+            <a:spAutoFit/>
+          </a:bodyPr>
+          <a:p>
+            <a:pPr algn="ctr"/>
+            <a:r>
+              <a:rPr lang="" altLang="en-US"/>
+              <a:t>Textures d'environnement</a:t>
+            </a:r>
+            <a:endParaRPr lang="" altLang="en-US"/>
+          </a:p>
+        </p:txBody>
+      </p:sp>
+      <p:sp>
+        <p:nvSpPr>
+          <p:cNvPr id="29" name="Right Arrow 28"/>
+          <p:cNvSpPr/>
+          <p:nvPr/>
+        </p:nvSpPr>
+        <p:spPr>
+          <a:xfrm>
+            <a:off x="5549900" y="3549650"/>
+            <a:ext cx="1009015" cy="550545"/>
+          </a:xfrm>
+          <a:prstGeom prst="rightArrow">
+            <a:avLst/>
+          </a:prstGeom>
+          <a:ln>
+            <a:noFill/>
+          </a:ln>
+        </p:spPr>
+        <p:style>
+          <a:lnRef idx="2">
+            <a:schemeClr val="accent1">
+              <a:shade val="50000"/>
+            </a:schemeClr>
+          </a:lnRef>
+          <a:fillRef idx="1">
+            <a:schemeClr val="accent1"/>
+          </a:fillRef>
+          <a:effectRef idx="0">
+            <a:schemeClr val="accent1"/>
+          </a:effectRef>
+          <a:fontRef idx="minor">
+            <a:schemeClr val="lt1"/>
+          </a:fontRef>
+        </p:style>
+        <p:txBody>
+          <a:bodyPr rtlCol="0" anchor="ctr"/>
+          <a:p>
+            <a:pPr algn="ctr"/>
+            <a:endParaRPr lang="en-US"/>
+          </a:p>
+        </p:txBody>
+      </p:sp>
+    </p:spTree>
+  </p:cSld>
+  <p:clrMapOvr>
+    <a:masterClrMapping/>
+  </p:clrMapOvr>
+</p:sld>
+</file>
+
+<file path=ppt/slides/slide4.xml><?xml version="1.0" encoding="utf-8"?>
+<p:sld xmlns:a="http://schemas.openxmlformats.org/drawingml/2006/main" xmlns:r="http://schemas.openxmlformats.org/officeDocument/2006/relationships" xmlns:p="http://schemas.openxmlformats.org/presentationml/2006/main">
+  <p:cSld>
+    <p:spTree>
+      <p:nvGrpSpPr>
+        <p:cNvPr id="1" name=""/>
+        <p:cNvGrpSpPr/>
+        <p:nvPr/>
+      </p:nvGrpSpPr>
+      <p:grpSpPr/>
+      <p:sp>
+        <p:nvSpPr>
+          <p:cNvPr id="8" name="Oval 7"/>
+          <p:cNvSpPr/>
+          <p:nvPr/>
+        </p:nvSpPr>
+        <p:spPr>
+          <a:xfrm>
+            <a:off x="3895090" y="3827780"/>
+            <a:ext cx="1618615" cy="1618615"/>
+          </a:xfrm>
+          <a:prstGeom prst="ellipse">
+            <a:avLst/>
+          </a:prstGeom>
+        </p:spPr>
+        <p:style>
+          <a:lnRef idx="2">
+            <a:schemeClr val="accent1">
+              <a:shade val="50000"/>
+            </a:schemeClr>
+          </a:lnRef>
+          <a:fillRef idx="1">
+            <a:schemeClr val="accent1"/>
+          </a:fillRef>
+          <a:effectRef idx="0">
+            <a:schemeClr val="accent1"/>
+          </a:effectRef>
+          <a:fontRef idx="minor">
+            <a:schemeClr val="lt1"/>
+          </a:fontRef>
+        </p:style>
+        <p:txBody>
+          <a:bodyPr rtlCol="0" anchor="ctr"/>
+          <a:p>
+            <a:pPr algn="ctr"/>
+            <a:endParaRPr lang="en-US"/>
+          </a:p>
+        </p:txBody>
+      </p:sp>
+      <p:pic>
+        <p:nvPicPr>
+          <p:cNvPr id="4" name="Picture 3"/>
+          <p:cNvPicPr>
+            <a:picLocks noChangeAspect="1"/>
+          </p:cNvPicPr>
+          <p:nvPr/>
+        </p:nvPicPr>
+        <p:blipFill>
+          <a:blip r:embed="rId1"/>
+          <a:srcRect l="12093" t="18379" r="60855" b="11332"/>
+          <a:stretch>
+            <a:fillRect/>
+          </a:stretch>
+        </p:blipFill>
+        <p:spPr>
+          <a:xfrm>
+            <a:off x="1473200" y="1112520"/>
+            <a:ext cx="2061210" cy="2115185"/>
+          </a:xfrm>
+          <a:prstGeom prst="rect">
+            <a:avLst/>
+          </a:prstGeom>
+        </p:spPr>
+      </p:pic>
+      <p:pic>
+        <p:nvPicPr>
+          <p:cNvPr id="5" name="Picture 4"/>
+          <p:cNvPicPr>
+            <a:picLocks noChangeAspect="1"/>
+          </p:cNvPicPr>
+          <p:nvPr/>
+        </p:nvPicPr>
+        <p:blipFill>
+          <a:blip r:embed="rId2"/>
+          <a:srcRect r="26753" b="24394"/>
+          <a:stretch>
+            <a:fillRect/>
+          </a:stretch>
+        </p:blipFill>
+        <p:spPr>
+          <a:xfrm>
+            <a:off x="4178300" y="1108075"/>
+            <a:ext cx="2056765" cy="2119630"/>
+          </a:xfrm>
+          <a:prstGeom prst="rect">
+            <a:avLst/>
+          </a:prstGeom>
+        </p:spPr>
+      </p:pic>
+      <p:pic>
+        <p:nvPicPr>
+          <p:cNvPr id="6" name="Picture 5"/>
+          <p:cNvPicPr>
+            <a:picLocks noChangeAspect="1"/>
+          </p:cNvPicPr>
+          <p:nvPr/>
+        </p:nvPicPr>
+        <p:blipFill>
+          <a:blip r:embed="rId1"/>
+          <a:srcRect l="61913" t="17291" r="11476" b="11917"/>
+          <a:stretch>
+            <a:fillRect/>
+          </a:stretch>
+        </p:blipFill>
+        <p:spPr>
+          <a:xfrm>
+            <a:off x="6882130" y="1108075"/>
+            <a:ext cx="2027555" cy="2115820"/>
+          </a:xfrm>
+          <a:prstGeom prst="rect">
+            <a:avLst/>
+          </a:prstGeom>
+        </p:spPr>
+      </p:pic>
+      <p:grpSp>
+        <p:nvGrpSpPr>
+          <p:cNvPr id="45" name="Group 44"/>
+          <p:cNvGrpSpPr/>
+          <p:nvPr/>
+        </p:nvGrpSpPr>
+        <p:grpSpPr>
+          <a:xfrm rot="20520000">
+            <a:off x="4838065" y="3700780"/>
+            <a:ext cx="782955" cy="1185545"/>
+            <a:chOff x="5967" y="3965"/>
+            <a:chExt cx="1233" cy="1867"/>
+          </a:xfrm>
+        </p:grpSpPr>
+        <p:cxnSp>
+          <p:nvCxnSpPr>
+            <p:cNvPr id="10" name="Straight Arrow Connector 9"/>
+            <p:cNvCxnSpPr/>
+            <p:nvPr/>
+          </p:nvCxnSpPr>
+          <p:spPr>
+            <a:xfrm rot="1920000" flipV="1">
+              <a:off x="6311" y="3965"/>
+              <a:ext cx="0" cy="1337"/>
+            </a:xfrm>
+            <a:prstGeom prst="straightConnector1">
+              <a:avLst/>
+            </a:prstGeom>
+            <a:ln w="28575">
+              <a:solidFill>
+                <a:schemeClr val="accent6">
+                  <a:lumMod val="75000"/>
+                </a:schemeClr>
+              </a:solidFill>
+              <a:tailEnd type="arrow"/>
+            </a:ln>
+          </p:spPr>
+          <p:style>
+            <a:lnRef idx="1">
+              <a:schemeClr val="accent1"/>
+            </a:lnRef>
+            <a:fillRef idx="0">
+              <a:schemeClr val="accent1"/>
+            </a:fillRef>
+            <a:effectRef idx="0">
+              <a:schemeClr val="accent1"/>
+            </a:effectRef>
+            <a:fontRef idx="minor">
+              <a:schemeClr val="tx1"/>
+            </a:fontRef>
+          </p:style>
+        </p:cxnSp>
+        <p:cxnSp>
+          <p:nvCxnSpPr>
+            <p:cNvPr id="11" name="Straight Arrow Connector 10"/>
+            <p:cNvCxnSpPr/>
+            <p:nvPr/>
+          </p:nvCxnSpPr>
+          <p:spPr>
+            <a:xfrm>
+              <a:off x="5972" y="5198"/>
+              <a:ext cx="1008" cy="634"/>
+            </a:xfrm>
+            <a:prstGeom prst="straightConnector1">
+              <a:avLst/>
+            </a:prstGeom>
+            <a:ln w="28575">
+              <a:solidFill>
+                <a:schemeClr val="accent5"/>
+              </a:solidFill>
+              <a:tailEnd type="arrow"/>
+            </a:ln>
+          </p:spPr>
+          <p:style>
+            <a:lnRef idx="1">
+              <a:schemeClr val="accent1"/>
+            </a:lnRef>
+            <a:fillRef idx="0">
+              <a:schemeClr val="accent1"/>
+            </a:fillRef>
+            <a:effectRef idx="0">
+              <a:schemeClr val="accent1"/>
+            </a:effectRef>
+            <a:fontRef idx="minor">
+              <a:schemeClr val="tx1"/>
+            </a:fontRef>
+          </p:style>
+        </p:cxnSp>
+        <p:cxnSp>
+          <p:nvCxnSpPr>
+            <p:cNvPr id="12" name="Straight Arrow Connector 11"/>
+            <p:cNvCxnSpPr/>
+            <p:nvPr/>
+          </p:nvCxnSpPr>
+          <p:spPr>
+            <a:xfrm flipV="1">
+              <a:off x="5967" y="4808"/>
+              <a:ext cx="1233" cy="375"/>
+            </a:xfrm>
+            <a:prstGeom prst="straightConnector1">
+              <a:avLst/>
+            </a:prstGeom>
+            <a:ln w="28575">
+              <a:solidFill>
+                <a:srgbClr val="C00000"/>
+              </a:solidFill>
+              <a:tailEnd type="arrow"/>
+            </a:ln>
+          </p:spPr>
+          <p:style>
+            <a:lnRef idx="1">
+              <a:schemeClr val="accent1"/>
+            </a:lnRef>
+            <a:fillRef idx="0">
+              <a:schemeClr val="accent1"/>
+            </a:fillRef>
+            <a:effectRef idx="0">
+              <a:schemeClr val="accent1"/>
+            </a:effectRef>
+            <a:fontRef idx="minor">
+              <a:schemeClr val="tx1"/>
+            </a:fontRef>
+          </p:style>
+        </p:cxnSp>
+      </p:grpSp>
+      <p:sp>
+        <p:nvSpPr>
+          <p:cNvPr id="9" name="Text Box 8"/>
+          <p:cNvSpPr txBox="1"/>
+          <p:nvPr/>
+        </p:nvSpPr>
+        <p:spPr>
+          <a:xfrm>
+            <a:off x="6803390" y="3227705"/>
+            <a:ext cx="3836670" cy="306705"/>
+          </a:xfrm>
+          <a:prstGeom prst="rect">
+            <a:avLst/>
+          </a:prstGeom>
+          <a:noFill/>
+        </p:spPr>
+        <p:txBody>
+          <a:bodyPr wrap="none" rtlCol="0">
+            <a:spAutoFit/>
+          </a:bodyPr>
+          <a:p>
+            <a:r>
+              <a:rPr lang="" altLang="en-US" sz="1400"/>
+              <a:t>newNormal = normalMap x Matrice[TBN]</a:t>
+            </a:r>
+            <a:endParaRPr lang="" altLang="en-US" sz="1400"/>
+          </a:p>
+        </p:txBody>
+      </p:sp>
+      <p:sp>
+        <p:nvSpPr>
+          <p:cNvPr id="13" name="Text Box 12"/>
+          <p:cNvSpPr txBox="1"/>
+          <p:nvPr/>
+        </p:nvSpPr>
+        <p:spPr>
+          <a:xfrm>
+            <a:off x="4424045" y="2806065"/>
+            <a:ext cx="1565275" cy="368300"/>
+          </a:xfrm>
+          <a:prstGeom prst="rect">
+            <a:avLst/>
+          </a:prstGeom>
+          <a:noFill/>
+        </p:spPr>
+        <p:txBody>
+          <a:bodyPr wrap="none" rtlCol="0">
+            <a:spAutoFit/>
+          </a:bodyPr>
+          <a:p>
+            <a:pPr algn="ctr"/>
+            <a:r>
+              <a:rPr lang="" altLang="en-US">
+                <a:solidFill>
+                  <a:schemeClr val="bg1"/>
+                </a:solidFill>
+              </a:rPr>
+              <a:t>Normal Map</a:t>
+            </a:r>
+            <a:endParaRPr lang="" altLang="en-US">
+              <a:solidFill>
+                <a:schemeClr val="bg1"/>
+              </a:solidFill>
+            </a:endParaRPr>
+          </a:p>
+        </p:txBody>
+      </p:sp>
+      <p:sp>
+        <p:nvSpPr>
+          <p:cNvPr id="14" name="Text Box 13"/>
+          <p:cNvSpPr txBox="1"/>
+          <p:nvPr/>
+        </p:nvSpPr>
+        <p:spPr>
+          <a:xfrm>
+            <a:off x="5582285" y="3977640"/>
+            <a:ext cx="1242695" cy="306705"/>
+          </a:xfrm>
+          <a:prstGeom prst="rect">
+            <a:avLst/>
+          </a:prstGeom>
+          <a:noFill/>
+        </p:spPr>
+        <p:txBody>
+          <a:bodyPr wrap="none" rtlCol="0">
+            <a:spAutoFit/>
+          </a:bodyPr>
+          <a:p>
+            <a:r>
+              <a:rPr lang="" altLang="en-US" sz="1400"/>
+              <a:t>N (normale)</a:t>
+            </a:r>
+            <a:endParaRPr lang="" altLang="en-US" sz="1400"/>
+          </a:p>
+        </p:txBody>
+      </p:sp>
+      <p:sp>
+        <p:nvSpPr>
+          <p:cNvPr id="15" name="Text Box 14"/>
+          <p:cNvSpPr txBox="1"/>
+          <p:nvPr/>
+        </p:nvSpPr>
+        <p:spPr>
+          <a:xfrm>
+            <a:off x="5633720" y="4629150"/>
+            <a:ext cx="1291590" cy="306705"/>
+          </a:xfrm>
+          <a:prstGeom prst="rect">
+            <a:avLst/>
+          </a:prstGeom>
+          <a:noFill/>
+        </p:spPr>
+        <p:txBody>
+          <a:bodyPr wrap="none" rtlCol="0">
+            <a:spAutoFit/>
+          </a:bodyPr>
+          <a:p>
+            <a:r>
+              <a:rPr lang="" altLang="en-US" sz="1400"/>
+              <a:t>T</a:t>
+            </a:r>
+            <a:r>
+              <a:rPr lang="en-US" altLang="en-US" sz="1400"/>
+              <a:t> (</a:t>
+            </a:r>
+            <a:r>
+              <a:rPr lang="" altLang="en-US" sz="1400"/>
+              <a:t>tangente</a:t>
+            </a:r>
+            <a:r>
+              <a:rPr lang="en-US" altLang="en-US" sz="1400"/>
+              <a:t>)</a:t>
+            </a:r>
+            <a:endParaRPr lang="en-US" altLang="en-US" sz="1400"/>
+          </a:p>
+        </p:txBody>
+      </p:sp>
+      <p:sp>
+        <p:nvSpPr>
+          <p:cNvPr id="16" name="Text Box 15"/>
+          <p:cNvSpPr txBox="1"/>
+          <p:nvPr/>
+        </p:nvSpPr>
+        <p:spPr>
+          <a:xfrm>
+            <a:off x="5131435" y="3608705"/>
+            <a:ext cx="1532890" cy="306705"/>
+          </a:xfrm>
+          <a:prstGeom prst="rect">
+            <a:avLst/>
+          </a:prstGeom>
+          <a:noFill/>
+        </p:spPr>
+        <p:txBody>
+          <a:bodyPr wrap="none" rtlCol="0">
+            <a:spAutoFit/>
+          </a:bodyPr>
+          <a:p>
+            <a:r>
+              <a:rPr lang="" altLang="en-US" sz="1400"/>
+              <a:t>B</a:t>
+            </a:r>
+            <a:r>
+              <a:rPr lang="en-US" altLang="en-US" sz="1400"/>
+              <a:t> (</a:t>
+            </a:r>
+            <a:r>
+              <a:rPr lang="" altLang="en-US" sz="1400"/>
+              <a:t>Bi-Tangente</a:t>
+            </a:r>
+            <a:r>
+              <a:rPr lang="en-US" altLang="en-US" sz="1400"/>
+              <a:t>)</a:t>
+            </a:r>
+            <a:endParaRPr lang="en-US" altLang="en-US" sz="1400"/>
+          </a:p>
+        </p:txBody>
+      </p:sp>
+      <p:pic>
+        <p:nvPicPr>
+          <p:cNvPr id="17" name="Picture 16"/>
+          <p:cNvPicPr>
+            <a:picLocks noChangeAspect="1"/>
+          </p:cNvPicPr>
+          <p:nvPr/>
+        </p:nvPicPr>
+        <p:blipFill>
+          <a:blip r:embed="rId3"/>
+          <a:stretch>
+            <a:fillRect/>
+          </a:stretch>
+        </p:blipFill>
+        <p:spPr>
+          <a:xfrm>
+            <a:off x="9436735" y="3534410"/>
+            <a:ext cx="1066800" cy="685800"/>
+          </a:xfrm>
+          <a:prstGeom prst="rect">
+            <a:avLst/>
+          </a:prstGeom>
+        </p:spPr>
+      </p:pic>
+      <p:sp>
+        <p:nvSpPr>
+          <p:cNvPr id="18" name="Text Box 17"/>
+          <p:cNvSpPr txBox="1"/>
+          <p:nvPr/>
+        </p:nvSpPr>
+        <p:spPr>
+          <a:xfrm>
+            <a:off x="3669030" y="1929130"/>
+            <a:ext cx="374650" cy="368300"/>
+          </a:xfrm>
+          <a:prstGeom prst="rect">
+            <a:avLst/>
+          </a:prstGeom>
+          <a:noFill/>
+        </p:spPr>
+        <p:txBody>
+          <a:bodyPr wrap="none" rtlCol="0">
+            <a:spAutoFit/>
+          </a:bodyPr>
+          <a:p>
+            <a:pPr algn="ctr"/>
+            <a:r>
+              <a:rPr lang="" altLang="en-US"/>
+              <a:t>+</a:t>
+            </a:r>
+            <a:endParaRPr lang="" altLang="en-US"/>
+          </a:p>
+        </p:txBody>
+      </p:sp>
+      <p:sp>
+        <p:nvSpPr>
+          <p:cNvPr id="19" name="Text Box 18"/>
+          <p:cNvSpPr txBox="1"/>
+          <p:nvPr/>
+        </p:nvSpPr>
+        <p:spPr>
+          <a:xfrm>
+            <a:off x="6370955" y="1929130"/>
+            <a:ext cx="374650" cy="368300"/>
+          </a:xfrm>
+          <a:prstGeom prst="rect">
+            <a:avLst/>
+          </a:prstGeom>
+          <a:noFill/>
+        </p:spPr>
+        <p:txBody>
+          <a:bodyPr wrap="none" rtlCol="0">
+            <a:spAutoFit/>
+          </a:bodyPr>
+          <a:p>
+            <a:pPr algn="ctr"/>
+            <a:r>
+              <a:rPr lang="" altLang="en-US"/>
+              <a:t>=</a:t>
+            </a:r>
+            <a:endParaRPr lang="" altLang="en-US"/>
+          </a:p>
+        </p:txBody>
+      </p:sp>
+      <p:sp>
+        <p:nvSpPr>
+          <p:cNvPr id="20" name="Text Box 19"/>
+          <p:cNvSpPr txBox="1"/>
+          <p:nvPr/>
+        </p:nvSpPr>
+        <p:spPr>
+          <a:xfrm>
+            <a:off x="1994535" y="2806065"/>
+            <a:ext cx="1017905" cy="368300"/>
+          </a:xfrm>
+          <a:prstGeom prst="rect">
+            <a:avLst/>
+          </a:prstGeom>
+          <a:noFill/>
+        </p:spPr>
+        <p:txBody>
+          <a:bodyPr wrap="none" rtlCol="0">
+            <a:spAutoFit/>
+          </a:bodyPr>
+          <a:p>
+            <a:pPr algn="ctr"/>
+            <a:r>
+              <a:rPr lang="" altLang="en-US">
+                <a:solidFill>
+                  <a:schemeClr val="bg1"/>
+                </a:solidFill>
+              </a:rPr>
+              <a:t>Texture</a:t>
+            </a:r>
+            <a:endParaRPr lang="" altLang="en-US">
+              <a:solidFill>
+                <a:schemeClr val="bg1"/>
+              </a:solidFill>
+            </a:endParaRPr>
+          </a:p>
+        </p:txBody>
+      </p:sp>
+    </p:spTree>
+  </p:cSld>
+  <p:clrMapOvr>
+    <a:masterClrMapping/>
+  </p:clrMapOvr>
+</p:sld>
+</file>
+
 <file path=ppt/theme/theme1.xml><?xml version="1.0" encoding="utf-8"?>
 <a:theme xmlns:a="http://schemas.openxmlformats.org/drawingml/2006/main" name="Office Theme">
   <a:themeElements>

--- a/presentation/server/public/assets/Presentation1.pptx
+++ b/presentation/server/public/assets/Presentation1.pptx
@@ -9,6 +9,7 @@
     <p:sldId id="257" r:id="rId4"/>
     <p:sldId id="258" r:id="rId5"/>
     <p:sldId id="259" r:id="rId6"/>
+    <p:sldId id="260" r:id="rId7"/>
   </p:sldIdLst>
   <p:sldSz cx="12192000" cy="6858000"/>
   <p:notesSz cx="7103745" cy="10234295"/>
@@ -7191,7 +7192,7 @@
         </p:nvSpPr>
         <p:spPr>
           <a:xfrm>
-            <a:off x="3895090" y="3827780"/>
+            <a:off x="4359275" y="4420235"/>
             <a:ext cx="1618615" cy="1618615"/>
           </a:xfrm>
           <a:prstGeom prst="ellipse">
@@ -7239,8 +7240,8 @@
         </p:blipFill>
         <p:spPr>
           <a:xfrm>
-            <a:off x="1473200" y="1112520"/>
-            <a:ext cx="2061210" cy="2115185"/>
+            <a:off x="497205" y="727710"/>
+            <a:ext cx="3305175" cy="3065780"/>
           </a:xfrm>
           <a:prstGeom prst="rect">
             <a:avLst/>
@@ -7264,8 +7265,8 @@
         </p:blipFill>
         <p:spPr>
           <a:xfrm>
-            <a:off x="4178300" y="1108075"/>
-            <a:ext cx="2056765" cy="2119630"/>
+            <a:off x="4235450" y="727710"/>
+            <a:ext cx="3298825" cy="3072765"/>
           </a:xfrm>
           <a:prstGeom prst="rect">
             <a:avLst/>
@@ -7289,8 +7290,8 @@
         </p:blipFill>
         <p:spPr>
           <a:xfrm>
-            <a:off x="6882130" y="1108075"/>
-            <a:ext cx="2027555" cy="2115820"/>
+            <a:off x="7967980" y="733425"/>
+            <a:ext cx="3251835" cy="3067050"/>
           </a:xfrm>
           <a:prstGeom prst="rect">
             <a:avLst/>
@@ -7305,7 +7306,7 @@
         </p:nvGrpSpPr>
         <p:grpSpPr>
           <a:xfrm rot="20520000">
-            <a:off x="4838065" y="3700780"/>
+            <a:off x="5302250" y="4293235"/>
             <a:ext cx="782955" cy="1185545"/>
             <a:chOff x="5967" y="3965"/>
             <a:chExt cx="1233" cy="1867"/>
@@ -7430,7 +7431,7 @@
         </p:nvSpPr>
         <p:spPr>
           <a:xfrm>
-            <a:off x="6803390" y="3227705"/>
+            <a:off x="7389495" y="3894455"/>
             <a:ext cx="3836670" cy="306705"/>
           </a:xfrm>
           <a:prstGeom prst="rect">
@@ -7459,7 +7460,7 @@
         </p:nvSpPr>
         <p:spPr>
           <a:xfrm>
-            <a:off x="4424045" y="2806065"/>
+            <a:off x="5102225" y="3244850"/>
             <a:ext cx="1565275" cy="368300"/>
           </a:xfrm>
           <a:prstGeom prst="rect">
@@ -7497,7 +7498,7 @@
         </p:nvSpPr>
         <p:spPr>
           <a:xfrm>
-            <a:off x="5582285" y="3977640"/>
+            <a:off x="6046470" y="4570095"/>
             <a:ext cx="1242695" cy="306705"/>
           </a:xfrm>
           <a:prstGeom prst="rect">
@@ -7526,7 +7527,7 @@
         </p:nvSpPr>
         <p:spPr>
           <a:xfrm>
-            <a:off x="5633720" y="4629150"/>
+            <a:off x="6097905" y="5221605"/>
             <a:ext cx="1291590" cy="306705"/>
           </a:xfrm>
           <a:prstGeom prst="rect">
@@ -7567,7 +7568,7 @@
         </p:nvSpPr>
         <p:spPr>
           <a:xfrm>
-            <a:off x="5131435" y="3608705"/>
+            <a:off x="5595620" y="4201160"/>
             <a:ext cx="1532890" cy="306705"/>
           </a:xfrm>
           <a:prstGeom prst="rect">
@@ -7616,7 +7617,7 @@
         </p:blipFill>
         <p:spPr>
           <a:xfrm>
-            <a:off x="9436735" y="3534410"/>
+            <a:off x="10153015" y="4201160"/>
             <a:ext cx="1066800" cy="685800"/>
           </a:xfrm>
           <a:prstGeom prst="rect">
@@ -7632,7 +7633,7 @@
         </p:nvSpPr>
         <p:spPr>
           <a:xfrm>
-            <a:off x="3669030" y="1929130"/>
+            <a:off x="3827780" y="2076450"/>
             <a:ext cx="374650" cy="368300"/>
           </a:xfrm>
           <a:prstGeom prst="rect">
@@ -7662,7 +7663,7 @@
         </p:nvSpPr>
         <p:spPr>
           <a:xfrm>
-            <a:off x="6370955" y="1929130"/>
+            <a:off x="7560310" y="2079625"/>
             <a:ext cx="374650" cy="368300"/>
           </a:xfrm>
           <a:prstGeom prst="rect">
@@ -7692,7 +7693,7 @@
         </p:nvSpPr>
         <p:spPr>
           <a:xfrm>
-            <a:off x="1994535" y="2806065"/>
+            <a:off x="1640840" y="3244850"/>
             <a:ext cx="1017905" cy="368300"/>
           </a:xfrm>
           <a:prstGeom prst="rect">
@@ -7719,6 +7720,71 @@
                 <a:schemeClr val="bg1"/>
               </a:solidFill>
             </a:endParaRPr>
+          </a:p>
+        </p:txBody>
+      </p:sp>
+    </p:spTree>
+  </p:cSld>
+  <p:clrMapOvr>
+    <a:masterClrMapping/>
+  </p:clrMapOvr>
+</p:sld>
+</file>
+
+<file path=ppt/slides/slide5.xml><?xml version="1.0" encoding="utf-8"?>
+<p:sld xmlns:a="http://schemas.openxmlformats.org/drawingml/2006/main" xmlns:r="http://schemas.openxmlformats.org/officeDocument/2006/relationships" xmlns:p="http://schemas.openxmlformats.org/presentationml/2006/main">
+  <p:cSld>
+    <p:spTree>
+      <p:nvGrpSpPr>
+        <p:cNvPr id="1" name=""/>
+        <p:cNvGrpSpPr/>
+        <p:nvPr/>
+      </p:nvGrpSpPr>
+      <p:grpSpPr/>
+      <p:sp>
+        <p:nvSpPr>
+          <p:cNvPr id="4" name="Down Arrow 3"/>
+          <p:cNvSpPr/>
+          <p:nvPr/>
+        </p:nvSpPr>
+        <p:spPr>
+          <a:xfrm>
+            <a:off x="2846070" y="1818640"/>
+            <a:ext cx="1459865" cy="292100"/>
+          </a:xfrm>
+          <a:prstGeom prst="downArrow">
+            <a:avLst>
+              <a:gd name="adj1" fmla="val 100000"/>
+              <a:gd name="adj2" fmla="val 50000"/>
+            </a:avLst>
+          </a:prstGeom>
+          <a:ln>
+            <a:solidFill>
+              <a:schemeClr val="bg1"/>
+            </a:solidFill>
+          </a:ln>
+        </p:spPr>
+        <p:style>
+          <a:lnRef idx="2">
+            <a:schemeClr val="accent1">
+              <a:shade val="50000"/>
+            </a:schemeClr>
+          </a:lnRef>
+          <a:fillRef idx="1">
+            <a:schemeClr val="accent1"/>
+          </a:fillRef>
+          <a:effectRef idx="0">
+            <a:schemeClr val="accent1"/>
+          </a:effectRef>
+          <a:fontRef idx="minor">
+            <a:schemeClr val="lt1"/>
+          </a:fontRef>
+        </p:style>
+        <p:txBody>
+          <a:bodyPr rtlCol="0" anchor="ctr"/>
+          <a:p>
+            <a:pPr algn="ctr"/>
+            <a:endParaRPr lang="en-US"/>
           </a:p>
         </p:txBody>
       </p:sp>

--- a/presentation/server/public/assets/Presentation1.pptx
+++ b/presentation/server/public/assets/Presentation1.pptx
@@ -10,6 +10,8 @@
     <p:sldId id="258" r:id="rId5"/>
     <p:sldId id="259" r:id="rId6"/>
     <p:sldId id="260" r:id="rId7"/>
+    <p:sldId id="261" r:id="rId8"/>
+    <p:sldId id="262" r:id="rId9"/>
   </p:sldIdLst>
   <p:sldSz cx="12192000" cy="6858000"/>
   <p:notesSz cx="7103745" cy="10234295"/>
@@ -6242,10 +6244,10 @@
           <a:p>
             <a:pPr algn="ctr"/>
             <a:r>
-              <a:rPr lang="" altLang="en-US" sz="1200"/>
+              <a:rPr lang="en-US" altLang="en-US" sz="1200"/>
               <a:t>Model Matrix</a:t>
             </a:r>
-            <a:endParaRPr lang="" altLang="en-US" sz="1200"/>
+            <a:endParaRPr lang="en-US" altLang="en-US" sz="1200"/>
           </a:p>
         </p:txBody>
       </p:sp>
@@ -6285,12 +6287,8 @@
           <a:p>
             <a:pPr algn="ctr"/>
             <a:r>
-              <a:rPr lang="" altLang="en-US" sz="1200"/>
-              <a:t>View</a:t>
-            </a:r>
-            <a:r>
               <a:rPr lang="en-US" altLang="en-US" sz="1200"/>
-              <a:t> Matrix</a:t>
+              <a:t>View Matrix</a:t>
             </a:r>
             <a:endParaRPr lang="en-US" altLang="en-US" sz="1200"/>
           </a:p>
@@ -6332,12 +6330,8 @@
           <a:p>
             <a:pPr algn="ctr"/>
             <a:r>
-              <a:rPr lang="" altLang="en-US" sz="1200"/>
-              <a:t>Projection </a:t>
-            </a:r>
-            <a:r>
               <a:rPr lang="en-US" altLang="en-US" sz="1200"/>
-              <a:t>Matrix</a:t>
+              <a:t>Projection Matrix</a:t>
             </a:r>
             <a:endParaRPr lang="en-US" altLang="en-US" sz="1200"/>
           </a:p>
@@ -6384,7 +6378,7 @@
           <a:p>
             <a:pPr algn="ctr"/>
             <a:r>
-              <a:rPr lang="" altLang="en-US">
+              <a:rPr lang="en-US" altLang="en-US">
                 <a:solidFill>
                   <a:schemeClr val="bg1">
                     <a:lumMod val="75000"/>
@@ -6393,7 +6387,7 @@
               </a:rPr>
               <a:t>BACK</a:t>
             </a:r>
-            <a:endParaRPr lang="" altLang="en-US">
+            <a:endParaRPr lang="en-US" altLang="en-US">
               <a:solidFill>
                 <a:schemeClr val="bg1">
                   <a:lumMod val="75000"/>
@@ -6777,10 +6771,10 @@
           </a:bodyPr>
           <a:p>
             <a:r>
-              <a:rPr lang="" altLang="en-US" sz="1200"/>
+              <a:rPr lang="en-US" altLang="en-US" sz="1200"/>
               <a:t>i</a:t>
             </a:r>
-            <a:endParaRPr lang="" altLang="en-US" sz="1200"/>
+            <a:endParaRPr lang="en-US" altLang="en-US" sz="1200"/>
           </a:p>
         </p:txBody>
       </p:sp>
@@ -6806,10 +6800,10 @@
           </a:bodyPr>
           <a:p>
             <a:r>
-              <a:rPr lang="" altLang="en-US" sz="1200"/>
+              <a:rPr lang="en-US" altLang="en-US" sz="1200"/>
               <a:t>r</a:t>
             </a:r>
-            <a:endParaRPr lang="" altLang="en-US" sz="1200"/>
+            <a:endParaRPr lang="en-US" altLang="en-US" sz="1200"/>
           </a:p>
         </p:txBody>
       </p:sp>
@@ -6835,10 +6829,10 @@
           </a:bodyPr>
           <a:p>
             <a:r>
-              <a:rPr lang="" altLang="en-US" sz="1200"/>
+              <a:rPr lang="en-US" altLang="en-US" sz="1200"/>
               <a:t>n</a:t>
             </a:r>
-            <a:endParaRPr lang="" altLang="en-US" sz="1200"/>
+            <a:endParaRPr lang="en-US" altLang="en-US" sz="1200"/>
           </a:p>
         </p:txBody>
       </p:sp>
@@ -6945,10 +6939,10 @@
           <a:p>
             <a:pPr algn="ctr"/>
             <a:r>
-              <a:rPr lang="" altLang="en-US"/>
+              <a:rPr lang="en-US" altLang="en-US"/>
               <a:t>r = i - 2n(n.i)</a:t>
             </a:r>
-            <a:endParaRPr lang="" altLang="en-US"/>
+            <a:endParaRPr lang="en-US" altLang="en-US"/>
           </a:p>
         </p:txBody>
       </p:sp>
@@ -6979,7 +6973,7 @@
           <a:p>
             <a:pPr algn="ctr"/>
             <a:r>
-              <a:rPr lang="" altLang="en-US" sz="2000">
+              <a:rPr lang="en-US" altLang="en-US" sz="2000">
                 <a:solidFill>
                   <a:schemeClr val="tx1">
                     <a:lumMod val="50000"/>
@@ -6989,7 +6983,7 @@
               </a:rPr>
               <a:t>TOP</a:t>
             </a:r>
-            <a:endParaRPr lang="" altLang="en-US" sz="2000">
+            <a:endParaRPr lang="en-US" altLang="en-US" sz="2000">
               <a:solidFill>
                 <a:schemeClr val="tx1">
                   <a:lumMod val="50000"/>
@@ -7027,7 +7021,7 @@
           <a:p>
             <a:pPr algn="ctr"/>
             <a:r>
-              <a:rPr lang="" altLang="en-US">
+              <a:rPr lang="en-US" altLang="en-US">
                 <a:solidFill>
                   <a:schemeClr val="tx1">
                     <a:lumMod val="50000"/>
@@ -7037,7 +7031,7 @@
               </a:rPr>
               <a:t>RIGHT</a:t>
             </a:r>
-            <a:endParaRPr lang="" altLang="en-US">
+            <a:endParaRPr lang="en-US" altLang="en-US">
               <a:solidFill>
                 <a:schemeClr val="tx1">
                   <a:lumMod val="50000"/>
@@ -7075,7 +7069,7 @@
           <a:p>
             <a:pPr algn="ctr"/>
             <a:r>
-              <a:rPr lang="" altLang="en-US" sz="2000">
+              <a:rPr lang="en-US" altLang="en-US" sz="2000">
                 <a:solidFill>
                   <a:schemeClr val="bg1">
                     <a:lumMod val="75000"/>
@@ -7084,7 +7078,7 @@
               </a:rPr>
               <a:t>BOTTOM</a:t>
             </a:r>
-            <a:endParaRPr lang="" altLang="en-US" sz="2000">
+            <a:endParaRPr lang="en-US" altLang="en-US" sz="2000">
               <a:solidFill>
                 <a:schemeClr val="bg1">
                   <a:lumMod val="75000"/>
@@ -7117,10 +7111,10 @@
           <a:p>
             <a:pPr algn="ctr"/>
             <a:r>
-              <a:rPr lang="" altLang="en-US"/>
+              <a:rPr lang="en-US" altLang="en-US"/>
               <a:t>Textures d'environnement</a:t>
             </a:r>
-            <a:endParaRPr lang="" altLang="en-US"/>
+            <a:endParaRPr lang="en-US" altLang="en-US"/>
           </a:p>
         </p:txBody>
       </p:sp>
@@ -7445,10 +7439,10 @@
           </a:bodyPr>
           <a:p>
             <a:r>
-              <a:rPr lang="" altLang="en-US" sz="1400"/>
+              <a:rPr lang="en-US" altLang="en-US" sz="1400"/>
               <a:t>newNormal = normalMap x Matrice[TBN]</a:t>
             </a:r>
-            <a:endParaRPr lang="" altLang="en-US" sz="1400"/>
+            <a:endParaRPr lang="en-US" altLang="en-US" sz="1400"/>
           </a:p>
         </p:txBody>
       </p:sp>
@@ -7475,14 +7469,14 @@
           <a:p>
             <a:pPr algn="ctr"/>
             <a:r>
-              <a:rPr lang="" altLang="en-US">
+              <a:rPr lang="en-US" altLang="en-US">
                 <a:solidFill>
                   <a:schemeClr val="bg1"/>
                 </a:solidFill>
               </a:rPr>
               <a:t>Normal Map</a:t>
             </a:r>
-            <a:endParaRPr lang="" altLang="en-US">
+            <a:endParaRPr lang="en-US" altLang="en-US">
               <a:solidFill>
                 <a:schemeClr val="bg1"/>
               </a:solidFill>
@@ -7512,10 +7506,10 @@
           </a:bodyPr>
           <a:p>
             <a:r>
-              <a:rPr lang="" altLang="en-US" sz="1400"/>
+              <a:rPr lang="en-US" altLang="en-US" sz="1400"/>
               <a:t>N (normale)</a:t>
             </a:r>
-            <a:endParaRPr lang="" altLang="en-US" sz="1400"/>
+            <a:endParaRPr lang="en-US" altLang="en-US" sz="1400"/>
           </a:p>
         </p:txBody>
       </p:sp>
@@ -7541,20 +7535,8 @@
           </a:bodyPr>
           <a:p>
             <a:r>
-              <a:rPr lang="" altLang="en-US" sz="1400"/>
-              <a:t>T</a:t>
-            </a:r>
-            <a:r>
               <a:rPr lang="en-US" altLang="en-US" sz="1400"/>
-              <a:t> (</a:t>
-            </a:r>
-            <a:r>
-              <a:rPr lang="" altLang="en-US" sz="1400"/>
-              <a:t>tangente</a:t>
-            </a:r>
-            <a:r>
-              <a:rPr lang="en-US" altLang="en-US" sz="1400"/>
-              <a:t>)</a:t>
+              <a:t>T (tangente)</a:t>
             </a:r>
             <a:endParaRPr lang="en-US" altLang="en-US" sz="1400"/>
           </a:p>
@@ -7582,20 +7564,8 @@
           </a:bodyPr>
           <a:p>
             <a:r>
-              <a:rPr lang="" altLang="en-US" sz="1400"/>
-              <a:t>B</a:t>
-            </a:r>
-            <a:r>
               <a:rPr lang="en-US" altLang="en-US" sz="1400"/>
-              <a:t> (</a:t>
-            </a:r>
-            <a:r>
-              <a:rPr lang="" altLang="en-US" sz="1400"/>
-              <a:t>Bi-Tangente</a:t>
-            </a:r>
-            <a:r>
-              <a:rPr lang="en-US" altLang="en-US" sz="1400"/>
-              <a:t>)</a:t>
+              <a:t>B (Bi-Tangente)</a:t>
             </a:r>
             <a:endParaRPr lang="en-US" altLang="en-US" sz="1400"/>
           </a:p>
@@ -7648,10 +7618,10 @@
           <a:p>
             <a:pPr algn="ctr"/>
             <a:r>
-              <a:rPr lang="" altLang="en-US"/>
+              <a:rPr lang="en-US" altLang="en-US"/>
               <a:t>+</a:t>
             </a:r>
-            <a:endParaRPr lang="" altLang="en-US"/>
+            <a:endParaRPr lang="en-US" altLang="en-US"/>
           </a:p>
         </p:txBody>
       </p:sp>
@@ -7678,10 +7648,10 @@
           <a:p>
             <a:pPr algn="ctr"/>
             <a:r>
-              <a:rPr lang="" altLang="en-US"/>
+              <a:rPr lang="en-US" altLang="en-US"/>
               <a:t>=</a:t>
             </a:r>
-            <a:endParaRPr lang="" altLang="en-US"/>
+            <a:endParaRPr lang="en-US" altLang="en-US"/>
           </a:p>
         </p:txBody>
       </p:sp>
@@ -7708,14 +7678,14 @@
           <a:p>
             <a:pPr algn="ctr"/>
             <a:r>
-              <a:rPr lang="" altLang="en-US">
+              <a:rPr lang="en-US" altLang="en-US">
                 <a:solidFill>
                   <a:schemeClr val="bg1"/>
                 </a:solidFill>
               </a:rPr>
               <a:t>Texture</a:t>
             </a:r>
-            <a:endParaRPr lang="" altLang="en-US">
+            <a:endParaRPr lang="en-US" altLang="en-US">
               <a:solidFill>
                 <a:schemeClr val="bg1"/>
               </a:solidFill>
@@ -7763,6 +7733,2603 @@
               <a:schemeClr val="bg1"/>
             </a:solidFill>
           </a:ln>
+        </p:spPr>
+        <p:style>
+          <a:lnRef idx="2">
+            <a:schemeClr val="accent1">
+              <a:shade val="50000"/>
+            </a:schemeClr>
+          </a:lnRef>
+          <a:fillRef idx="1">
+            <a:schemeClr val="accent1"/>
+          </a:fillRef>
+          <a:effectRef idx="0">
+            <a:schemeClr val="accent1"/>
+          </a:effectRef>
+          <a:fontRef idx="minor">
+            <a:schemeClr val="lt1"/>
+          </a:fontRef>
+        </p:style>
+        <p:txBody>
+          <a:bodyPr rtlCol="0" anchor="ctr"/>
+          <a:p>
+            <a:pPr algn="ctr"/>
+            <a:endParaRPr lang="en-US"/>
+          </a:p>
+        </p:txBody>
+      </p:sp>
+    </p:spTree>
+  </p:cSld>
+  <p:clrMapOvr>
+    <a:masterClrMapping/>
+  </p:clrMapOvr>
+</p:sld>
+</file>
+
+<file path=ppt/slides/slide6.xml><?xml version="1.0" encoding="utf-8"?>
+<p:sld xmlns:a="http://schemas.openxmlformats.org/drawingml/2006/main" xmlns:r="http://schemas.openxmlformats.org/officeDocument/2006/relationships" xmlns:p="http://schemas.openxmlformats.org/presentationml/2006/main">
+  <p:cSld>
+    <p:spTree>
+      <p:nvGrpSpPr>
+        <p:cNvPr id="1" name=""/>
+        <p:cNvGrpSpPr/>
+        <p:nvPr/>
+      </p:nvGrpSpPr>
+      <p:grpSpPr/>
+      <p:pic>
+        <p:nvPicPr>
+          <p:cNvPr id="4" name="Picture 3" descr="negz"/>
+          <p:cNvPicPr>
+            <a:picLocks noChangeAspect="1"/>
+          </p:cNvPicPr>
+          <p:nvPr/>
+        </p:nvPicPr>
+        <p:blipFill>
+          <a:blip r:embed="rId1"/>
+          <a:stretch>
+            <a:fillRect/>
+          </a:stretch>
+        </p:blipFill>
+        <p:spPr>
+          <a:xfrm>
+            <a:off x="7130415" y="1695450"/>
+            <a:ext cx="3067685" cy="3067685"/>
+          </a:xfrm>
+          <a:prstGeom prst="rect">
+            <a:avLst/>
+          </a:prstGeom>
+        </p:spPr>
+      </p:pic>
+      <p:sp>
+        <p:nvSpPr>
+          <p:cNvPr id="5" name="Text Box 4"/>
+          <p:cNvSpPr txBox="1"/>
+          <p:nvPr/>
+        </p:nvSpPr>
+        <p:spPr>
+          <a:xfrm>
+            <a:off x="8500110" y="1299845"/>
+            <a:ext cx="327660" cy="368300"/>
+          </a:xfrm>
+          <a:prstGeom prst="rect">
+            <a:avLst/>
+          </a:prstGeom>
+          <a:noFill/>
+        </p:spPr>
+        <p:txBody>
+          <a:bodyPr wrap="none" rtlCol="0">
+            <a:spAutoFit/>
+          </a:bodyPr>
+          <a:p>
+            <a:r>
+              <a:rPr lang="" altLang="en-US"/>
+              <a:t>u</a:t>
+            </a:r>
+            <a:endParaRPr lang="" altLang="en-US"/>
+          </a:p>
+        </p:txBody>
+      </p:sp>
+      <p:sp>
+        <p:nvSpPr>
+          <p:cNvPr id="6" name="Text Box 5"/>
+          <p:cNvSpPr txBox="1"/>
+          <p:nvPr/>
+        </p:nvSpPr>
+        <p:spPr>
+          <a:xfrm>
+            <a:off x="6717030" y="3044825"/>
+            <a:ext cx="318135" cy="368300"/>
+          </a:xfrm>
+          <a:prstGeom prst="rect">
+            <a:avLst/>
+          </a:prstGeom>
+          <a:noFill/>
+        </p:spPr>
+        <p:txBody>
+          <a:bodyPr wrap="none" rtlCol="0">
+            <a:spAutoFit/>
+          </a:bodyPr>
+          <a:p>
+            <a:r>
+              <a:rPr lang="" altLang="en-US"/>
+              <a:t>v</a:t>
+            </a:r>
+            <a:endParaRPr lang="" altLang="en-US"/>
+          </a:p>
+        </p:txBody>
+      </p:sp>
+      <p:sp>
+        <p:nvSpPr>
+          <p:cNvPr id="7" name="Text Box 6"/>
+          <p:cNvSpPr txBox="1"/>
+          <p:nvPr/>
+        </p:nvSpPr>
+        <p:spPr>
+          <a:xfrm>
+            <a:off x="6706870" y="1572895"/>
+            <a:ext cx="328295" cy="368300"/>
+          </a:xfrm>
+          <a:prstGeom prst="rect">
+            <a:avLst/>
+          </a:prstGeom>
+          <a:noFill/>
+        </p:spPr>
+        <p:txBody>
+          <a:bodyPr wrap="none" rtlCol="0">
+            <a:spAutoFit/>
+          </a:bodyPr>
+          <a:p>
+            <a:r>
+              <a:rPr lang="" altLang="en-US">
+                <a:solidFill>
+                  <a:schemeClr val="tx2"/>
+                </a:solidFill>
+              </a:rPr>
+              <a:t>0</a:t>
+            </a:r>
+            <a:endParaRPr lang="" altLang="en-US">
+              <a:solidFill>
+                <a:schemeClr val="tx2"/>
+              </a:solidFill>
+            </a:endParaRPr>
+          </a:p>
+        </p:txBody>
+      </p:sp>
+      <p:sp>
+        <p:nvSpPr>
+          <p:cNvPr id="8" name="Text Box 7"/>
+          <p:cNvSpPr txBox="1"/>
+          <p:nvPr/>
+        </p:nvSpPr>
+        <p:spPr>
+          <a:xfrm>
+            <a:off x="6645275" y="4495800"/>
+            <a:ext cx="328295" cy="368300"/>
+          </a:xfrm>
+          <a:prstGeom prst="rect">
+            <a:avLst/>
+          </a:prstGeom>
+          <a:noFill/>
+        </p:spPr>
+        <p:txBody>
+          <a:bodyPr wrap="none" rtlCol="0">
+            <a:spAutoFit/>
+          </a:bodyPr>
+          <a:p>
+            <a:r>
+              <a:rPr lang="" altLang="en-US">
+                <a:solidFill>
+                  <a:schemeClr val="tx2"/>
+                </a:solidFill>
+              </a:rPr>
+              <a:t>1</a:t>
+            </a:r>
+            <a:endParaRPr lang="" altLang="en-US">
+              <a:solidFill>
+                <a:schemeClr val="tx2"/>
+              </a:solidFill>
+            </a:endParaRPr>
+          </a:p>
+        </p:txBody>
+      </p:sp>
+      <p:sp>
+        <p:nvSpPr>
+          <p:cNvPr id="9" name="Text Box 8"/>
+          <p:cNvSpPr txBox="1"/>
+          <p:nvPr/>
+        </p:nvSpPr>
+        <p:spPr>
+          <a:xfrm>
+            <a:off x="6996430" y="1149350"/>
+            <a:ext cx="328295" cy="368300"/>
+          </a:xfrm>
+          <a:prstGeom prst="rect">
+            <a:avLst/>
+          </a:prstGeom>
+          <a:noFill/>
+        </p:spPr>
+        <p:txBody>
+          <a:bodyPr wrap="none" rtlCol="0">
+            <a:spAutoFit/>
+          </a:bodyPr>
+          <a:p>
+            <a:r>
+              <a:rPr lang="en-US" altLang="en-US">
+                <a:solidFill>
+                  <a:schemeClr val="accent6">
+                    <a:lumMod val="75000"/>
+                  </a:schemeClr>
+                </a:solidFill>
+              </a:rPr>
+              <a:t>0</a:t>
+            </a:r>
+            <a:endParaRPr lang="en-US" altLang="en-US">
+              <a:solidFill>
+                <a:schemeClr val="accent6">
+                  <a:lumMod val="75000"/>
+                </a:schemeClr>
+              </a:solidFill>
+            </a:endParaRPr>
+          </a:p>
+        </p:txBody>
+      </p:sp>
+      <p:sp>
+        <p:nvSpPr>
+          <p:cNvPr id="10" name="Text Box 9"/>
+          <p:cNvSpPr txBox="1"/>
+          <p:nvPr/>
+        </p:nvSpPr>
+        <p:spPr>
+          <a:xfrm>
+            <a:off x="10006330" y="1149350"/>
+            <a:ext cx="328295" cy="368300"/>
+          </a:xfrm>
+          <a:prstGeom prst="rect">
+            <a:avLst/>
+          </a:prstGeom>
+          <a:noFill/>
+        </p:spPr>
+        <p:txBody>
+          <a:bodyPr wrap="none" rtlCol="0">
+            <a:spAutoFit/>
+          </a:bodyPr>
+          <a:p>
+            <a:r>
+              <a:rPr lang="" altLang="en-US">
+                <a:solidFill>
+                  <a:schemeClr val="accent6">
+                    <a:lumMod val="75000"/>
+                  </a:schemeClr>
+                </a:solidFill>
+              </a:rPr>
+              <a:t>1</a:t>
+            </a:r>
+            <a:endParaRPr lang="" altLang="en-US">
+              <a:solidFill>
+                <a:schemeClr val="accent6">
+                  <a:lumMod val="75000"/>
+                </a:schemeClr>
+              </a:solidFill>
+            </a:endParaRPr>
+          </a:p>
+        </p:txBody>
+      </p:sp>
+      <p:cxnSp>
+        <p:nvCxnSpPr>
+          <p:cNvPr id="11" name="Straight Arrow Connector 10"/>
+          <p:cNvCxnSpPr/>
+          <p:nvPr/>
+        </p:nvCxnSpPr>
+        <p:spPr>
+          <a:xfrm>
+            <a:off x="7130415" y="1597025"/>
+            <a:ext cx="3067685" cy="0"/>
+          </a:xfrm>
+          <a:prstGeom prst="straightConnector1">
+            <a:avLst/>
+          </a:prstGeom>
+          <a:ln>
+            <a:tailEnd type="arrow"/>
+          </a:ln>
+        </p:spPr>
+        <p:style>
+          <a:lnRef idx="1">
+            <a:schemeClr val="accent1"/>
+          </a:lnRef>
+          <a:fillRef idx="0">
+            <a:schemeClr val="accent1"/>
+          </a:fillRef>
+          <a:effectRef idx="0">
+            <a:schemeClr val="accent1"/>
+          </a:effectRef>
+          <a:fontRef idx="minor">
+            <a:schemeClr val="tx1"/>
+          </a:fontRef>
+        </p:style>
+      </p:cxnSp>
+      <p:cxnSp>
+        <p:nvCxnSpPr>
+          <p:cNvPr id="12" name="Straight Arrow Connector 11"/>
+          <p:cNvCxnSpPr/>
+          <p:nvPr/>
+        </p:nvCxnSpPr>
+        <p:spPr>
+          <a:xfrm>
+            <a:off x="7035165" y="1695450"/>
+            <a:ext cx="0" cy="3067685"/>
+          </a:xfrm>
+          <a:prstGeom prst="straightConnector1">
+            <a:avLst/>
+          </a:prstGeom>
+          <a:ln>
+            <a:tailEnd type="arrow"/>
+          </a:ln>
+        </p:spPr>
+        <p:style>
+          <a:lnRef idx="1">
+            <a:schemeClr val="accent1"/>
+          </a:lnRef>
+          <a:fillRef idx="0">
+            <a:schemeClr val="accent1"/>
+          </a:fillRef>
+          <a:effectRef idx="0">
+            <a:schemeClr val="accent1"/>
+          </a:effectRef>
+          <a:fontRef idx="minor">
+            <a:schemeClr val="tx1"/>
+          </a:fontRef>
+        </p:style>
+      </p:cxnSp>
+      <p:graphicFrame>
+        <p:nvGraphicFramePr>
+          <p:cNvPr id="13" name="Table 12"/>
+          <p:cNvGraphicFramePr/>
+          <p:nvPr/>
+        </p:nvGraphicFramePr>
+        <p:xfrm>
+          <a:off x="1181100" y="1029970"/>
+          <a:ext cx="4489450" cy="3962400"/>
+        </p:xfrm>
+        <a:graphic>
+          <a:graphicData uri="http://schemas.openxmlformats.org/drawingml/2006/table">
+            <a:tbl>
+              <a:tblPr firstRow="1" bandRow="1">
+                <a:tableStyleId>{5C22544A-7EE6-4342-B048-85BDC9FD1C3A}</a:tableStyleId>
+              </a:tblPr>
+              <a:tblGrid>
+                <a:gridCol w="897890"/>
+                <a:gridCol w="897890"/>
+                <a:gridCol w="897890"/>
+                <a:gridCol w="897890"/>
+                <a:gridCol w="897890"/>
+              </a:tblGrid>
+              <a:tr h="792480">
+                <a:tc>
+                  <a:txBody>
+                    <a:bodyPr/>
+                    <a:p>
+                      <a:pPr>
+                        <a:buNone/>
+                      </a:pPr>
+                      <a:endParaRPr lang="en-US"/>
+                    </a:p>
+                  </a:txBody>
+                  <a:tcPr>
+                    <a:lnL w="12700">
+                      <a:solidFill>
+                        <a:schemeClr val="bg1">
+                          <a:lumMod val="50000"/>
+                        </a:schemeClr>
+                      </a:solidFill>
+                      <a:prstDash val="solid"/>
+                    </a:lnL>
+                    <a:lnR w="12700">
+                      <a:solidFill>
+                        <a:schemeClr val="bg1">
+                          <a:lumMod val="50000"/>
+                        </a:schemeClr>
+                      </a:solidFill>
+                      <a:prstDash val="solid"/>
+                    </a:lnR>
+                    <a:lnT w="12700">
+                      <a:solidFill>
+                        <a:schemeClr val="bg1">
+                          <a:lumMod val="50000"/>
+                        </a:schemeClr>
+                      </a:solidFill>
+                      <a:prstDash val="solid"/>
+                    </a:lnT>
+                    <a:lnB w="12700">
+                      <a:solidFill>
+                        <a:schemeClr val="bg1">
+                          <a:lumMod val="50000"/>
+                        </a:schemeClr>
+                      </a:solidFill>
+                      <a:prstDash val="solid"/>
+                    </a:lnB>
+                    <a:lnTlToBr>
+                      <a:noFill/>
+                    </a:lnTlToBr>
+                    <a:lnBlToTr>
+                      <a:noFill/>
+                    </a:lnBlToTr>
+                    <a:noFill/>
+                  </a:tcPr>
+                </a:tc>
+                <a:tc>
+                  <a:txBody>
+                    <a:bodyPr/>
+                    <a:p>
+                      <a:pPr>
+                        <a:buNone/>
+                      </a:pPr>
+                      <a:endParaRPr lang="en-US"/>
+                    </a:p>
+                  </a:txBody>
+                  <a:tcPr>
+                    <a:lnL w="12700">
+                      <a:solidFill>
+                        <a:schemeClr val="bg1">
+                          <a:lumMod val="50000"/>
+                        </a:schemeClr>
+                      </a:solidFill>
+                      <a:prstDash val="solid"/>
+                    </a:lnL>
+                    <a:lnR w="12700">
+                      <a:solidFill>
+                        <a:schemeClr val="bg1">
+                          <a:lumMod val="50000"/>
+                        </a:schemeClr>
+                      </a:solidFill>
+                      <a:prstDash val="solid"/>
+                    </a:lnR>
+                    <a:lnT w="12700">
+                      <a:solidFill>
+                        <a:schemeClr val="bg1">
+                          <a:lumMod val="50000"/>
+                        </a:schemeClr>
+                      </a:solidFill>
+                      <a:prstDash val="solid"/>
+                    </a:lnT>
+                    <a:lnB w="12700">
+                      <a:solidFill>
+                        <a:schemeClr val="bg1">
+                          <a:lumMod val="50000"/>
+                        </a:schemeClr>
+                      </a:solidFill>
+                      <a:prstDash val="solid"/>
+                    </a:lnB>
+                    <a:lnTlToBr>
+                      <a:noFill/>
+                    </a:lnTlToBr>
+                    <a:lnBlToTr>
+                      <a:noFill/>
+                    </a:lnBlToTr>
+                    <a:noFill/>
+                  </a:tcPr>
+                </a:tc>
+                <a:tc>
+                  <a:txBody>
+                    <a:bodyPr/>
+                    <a:p>
+                      <a:pPr>
+                        <a:buNone/>
+                      </a:pPr>
+                      <a:endParaRPr lang="en-US"/>
+                    </a:p>
+                  </a:txBody>
+                  <a:tcPr>
+                    <a:lnL w="12700">
+                      <a:solidFill>
+                        <a:schemeClr val="bg1">
+                          <a:lumMod val="50000"/>
+                        </a:schemeClr>
+                      </a:solidFill>
+                      <a:prstDash val="solid"/>
+                    </a:lnL>
+                    <a:lnR w="12700">
+                      <a:solidFill>
+                        <a:schemeClr val="bg1">
+                          <a:lumMod val="50000"/>
+                        </a:schemeClr>
+                      </a:solidFill>
+                      <a:prstDash val="solid"/>
+                    </a:lnR>
+                    <a:lnT w="12700">
+                      <a:solidFill>
+                        <a:schemeClr val="bg1">
+                          <a:lumMod val="50000"/>
+                        </a:schemeClr>
+                      </a:solidFill>
+                      <a:prstDash val="solid"/>
+                    </a:lnT>
+                    <a:lnB w="12700">
+                      <a:solidFill>
+                        <a:schemeClr val="bg1">
+                          <a:lumMod val="50000"/>
+                        </a:schemeClr>
+                      </a:solidFill>
+                      <a:prstDash val="solid"/>
+                    </a:lnB>
+                    <a:lnTlToBr>
+                      <a:noFill/>
+                    </a:lnTlToBr>
+                    <a:lnBlToTr>
+                      <a:noFill/>
+                    </a:lnBlToTr>
+                    <a:noFill/>
+                  </a:tcPr>
+                </a:tc>
+                <a:tc>
+                  <a:txBody>
+                    <a:bodyPr/>
+                    <a:p>
+                      <a:pPr>
+                        <a:buNone/>
+                      </a:pPr>
+                      <a:endParaRPr lang="en-US"/>
+                    </a:p>
+                  </a:txBody>
+                  <a:tcPr>
+                    <a:lnL w="12700">
+                      <a:solidFill>
+                        <a:schemeClr val="bg1">
+                          <a:lumMod val="50000"/>
+                        </a:schemeClr>
+                      </a:solidFill>
+                      <a:prstDash val="solid"/>
+                    </a:lnL>
+                    <a:lnR w="12700">
+                      <a:solidFill>
+                        <a:schemeClr val="bg1">
+                          <a:lumMod val="50000"/>
+                        </a:schemeClr>
+                      </a:solidFill>
+                      <a:prstDash val="solid"/>
+                    </a:lnR>
+                    <a:lnT w="12700">
+                      <a:solidFill>
+                        <a:schemeClr val="bg1">
+                          <a:lumMod val="50000"/>
+                        </a:schemeClr>
+                      </a:solidFill>
+                      <a:prstDash val="solid"/>
+                    </a:lnT>
+                    <a:lnB w="12700">
+                      <a:solidFill>
+                        <a:schemeClr val="bg1">
+                          <a:lumMod val="50000"/>
+                        </a:schemeClr>
+                      </a:solidFill>
+                      <a:prstDash val="solid"/>
+                    </a:lnB>
+                    <a:lnTlToBr>
+                      <a:noFill/>
+                    </a:lnTlToBr>
+                    <a:lnBlToTr>
+                      <a:noFill/>
+                    </a:lnBlToTr>
+                    <a:noFill/>
+                  </a:tcPr>
+                </a:tc>
+                <a:tc>
+                  <a:txBody>
+                    <a:bodyPr/>
+                    <a:p>
+                      <a:pPr>
+                        <a:buNone/>
+                      </a:pPr>
+                      <a:endParaRPr lang="en-US"/>
+                    </a:p>
+                  </a:txBody>
+                  <a:tcPr>
+                    <a:lnL w="12700">
+                      <a:solidFill>
+                        <a:schemeClr val="bg1">
+                          <a:lumMod val="50000"/>
+                        </a:schemeClr>
+                      </a:solidFill>
+                      <a:prstDash val="solid"/>
+                    </a:lnL>
+                    <a:lnR w="12700">
+                      <a:solidFill>
+                        <a:schemeClr val="bg1">
+                          <a:lumMod val="50000"/>
+                        </a:schemeClr>
+                      </a:solidFill>
+                      <a:prstDash val="solid"/>
+                    </a:lnR>
+                    <a:lnT w="12700">
+                      <a:solidFill>
+                        <a:schemeClr val="bg1">
+                          <a:lumMod val="50000"/>
+                        </a:schemeClr>
+                      </a:solidFill>
+                      <a:prstDash val="solid"/>
+                    </a:lnT>
+                    <a:lnB w="12700">
+                      <a:solidFill>
+                        <a:schemeClr val="bg1">
+                          <a:lumMod val="50000"/>
+                        </a:schemeClr>
+                      </a:solidFill>
+                      <a:prstDash val="solid"/>
+                    </a:lnB>
+                    <a:lnTlToBr>
+                      <a:noFill/>
+                    </a:lnTlToBr>
+                    <a:lnBlToTr>
+                      <a:noFill/>
+                    </a:lnBlToTr>
+                    <a:noFill/>
+                  </a:tcPr>
+                </a:tc>
+              </a:tr>
+              <a:tr h="792480">
+                <a:tc>
+                  <a:txBody>
+                    <a:bodyPr/>
+                    <a:p>
+                      <a:pPr>
+                        <a:buNone/>
+                      </a:pPr>
+                      <a:endParaRPr lang="en-US"/>
+                    </a:p>
+                  </a:txBody>
+                  <a:tcPr>
+                    <a:lnL w="12700">
+                      <a:solidFill>
+                        <a:schemeClr val="bg1">
+                          <a:lumMod val="50000"/>
+                        </a:schemeClr>
+                      </a:solidFill>
+                      <a:prstDash val="solid"/>
+                    </a:lnL>
+                    <a:lnR w="12700">
+                      <a:solidFill>
+                        <a:schemeClr val="bg1">
+                          <a:lumMod val="50000"/>
+                        </a:schemeClr>
+                      </a:solidFill>
+                      <a:prstDash val="solid"/>
+                    </a:lnR>
+                    <a:lnT w="12700">
+                      <a:solidFill>
+                        <a:schemeClr val="bg1">
+                          <a:lumMod val="50000"/>
+                        </a:schemeClr>
+                      </a:solidFill>
+                      <a:prstDash val="solid"/>
+                    </a:lnT>
+                    <a:lnB w="12700">
+                      <a:solidFill>
+                        <a:schemeClr val="bg1">
+                          <a:lumMod val="50000"/>
+                        </a:schemeClr>
+                      </a:solidFill>
+                      <a:prstDash val="solid"/>
+                    </a:lnB>
+                    <a:lnTlToBr>
+                      <a:noFill/>
+                    </a:lnTlToBr>
+                    <a:lnBlToTr>
+                      <a:noFill/>
+                    </a:lnBlToTr>
+                    <a:noFill/>
+                  </a:tcPr>
+                </a:tc>
+                <a:tc>
+                  <a:txBody>
+                    <a:bodyPr/>
+                    <a:p>
+                      <a:pPr>
+                        <a:buNone/>
+                      </a:pPr>
+                      <a:endParaRPr lang="en-US"/>
+                    </a:p>
+                  </a:txBody>
+                  <a:tcPr>
+                    <a:lnL w="12700">
+                      <a:solidFill>
+                        <a:schemeClr val="bg1">
+                          <a:lumMod val="50000"/>
+                        </a:schemeClr>
+                      </a:solidFill>
+                      <a:prstDash val="solid"/>
+                    </a:lnL>
+                    <a:lnR w="12700">
+                      <a:solidFill>
+                        <a:schemeClr val="bg1">
+                          <a:lumMod val="50000"/>
+                        </a:schemeClr>
+                      </a:solidFill>
+                      <a:prstDash val="solid"/>
+                    </a:lnR>
+                    <a:lnT w="12700">
+                      <a:solidFill>
+                        <a:schemeClr val="bg1">
+                          <a:lumMod val="50000"/>
+                        </a:schemeClr>
+                      </a:solidFill>
+                      <a:prstDash val="solid"/>
+                    </a:lnT>
+                    <a:lnB w="12700">
+                      <a:solidFill>
+                        <a:schemeClr val="bg1">
+                          <a:lumMod val="50000"/>
+                        </a:schemeClr>
+                      </a:solidFill>
+                      <a:prstDash val="solid"/>
+                    </a:lnB>
+                    <a:lnTlToBr>
+                      <a:noFill/>
+                    </a:lnTlToBr>
+                    <a:lnBlToTr>
+                      <a:noFill/>
+                    </a:lnBlToTr>
+                    <a:noFill/>
+                  </a:tcPr>
+                </a:tc>
+                <a:tc>
+                  <a:txBody>
+                    <a:bodyPr/>
+                    <a:p>
+                      <a:pPr>
+                        <a:buNone/>
+                      </a:pPr>
+                      <a:endParaRPr lang="en-US"/>
+                    </a:p>
+                  </a:txBody>
+                  <a:tcPr>
+                    <a:lnL w="12700">
+                      <a:solidFill>
+                        <a:schemeClr val="bg1">
+                          <a:lumMod val="50000"/>
+                        </a:schemeClr>
+                      </a:solidFill>
+                      <a:prstDash val="solid"/>
+                    </a:lnL>
+                    <a:lnR w="12700">
+                      <a:solidFill>
+                        <a:schemeClr val="bg1">
+                          <a:lumMod val="50000"/>
+                        </a:schemeClr>
+                      </a:solidFill>
+                      <a:prstDash val="solid"/>
+                    </a:lnR>
+                    <a:lnT w="12700">
+                      <a:solidFill>
+                        <a:schemeClr val="bg1">
+                          <a:lumMod val="50000"/>
+                        </a:schemeClr>
+                      </a:solidFill>
+                      <a:prstDash val="solid"/>
+                    </a:lnT>
+                    <a:lnB w="12700">
+                      <a:solidFill>
+                        <a:schemeClr val="bg1">
+                          <a:lumMod val="50000"/>
+                        </a:schemeClr>
+                      </a:solidFill>
+                      <a:prstDash val="solid"/>
+                    </a:lnB>
+                    <a:lnTlToBr>
+                      <a:noFill/>
+                    </a:lnTlToBr>
+                    <a:lnBlToTr>
+                      <a:noFill/>
+                    </a:lnBlToTr>
+                    <a:noFill/>
+                  </a:tcPr>
+                </a:tc>
+                <a:tc>
+                  <a:txBody>
+                    <a:bodyPr/>
+                    <a:p>
+                      <a:pPr>
+                        <a:buNone/>
+                      </a:pPr>
+                      <a:endParaRPr lang="en-US"/>
+                    </a:p>
+                  </a:txBody>
+                  <a:tcPr>
+                    <a:lnL w="12700">
+                      <a:solidFill>
+                        <a:schemeClr val="bg1">
+                          <a:lumMod val="50000"/>
+                        </a:schemeClr>
+                      </a:solidFill>
+                      <a:prstDash val="solid"/>
+                    </a:lnL>
+                    <a:lnR w="12700">
+                      <a:solidFill>
+                        <a:schemeClr val="bg1">
+                          <a:lumMod val="50000"/>
+                        </a:schemeClr>
+                      </a:solidFill>
+                      <a:prstDash val="solid"/>
+                    </a:lnR>
+                    <a:lnT w="12700">
+                      <a:solidFill>
+                        <a:schemeClr val="bg1">
+                          <a:lumMod val="50000"/>
+                        </a:schemeClr>
+                      </a:solidFill>
+                      <a:prstDash val="solid"/>
+                    </a:lnT>
+                    <a:lnB w="12700">
+                      <a:solidFill>
+                        <a:schemeClr val="bg1">
+                          <a:lumMod val="50000"/>
+                        </a:schemeClr>
+                      </a:solidFill>
+                      <a:prstDash val="solid"/>
+                    </a:lnB>
+                    <a:lnTlToBr>
+                      <a:noFill/>
+                    </a:lnTlToBr>
+                    <a:lnBlToTr>
+                      <a:noFill/>
+                    </a:lnBlToTr>
+                    <a:noFill/>
+                  </a:tcPr>
+                </a:tc>
+                <a:tc>
+                  <a:txBody>
+                    <a:bodyPr/>
+                    <a:p>
+                      <a:pPr>
+                        <a:buNone/>
+                      </a:pPr>
+                      <a:endParaRPr lang="en-US"/>
+                    </a:p>
+                  </a:txBody>
+                  <a:tcPr>
+                    <a:lnL w="12700">
+                      <a:solidFill>
+                        <a:schemeClr val="bg1">
+                          <a:lumMod val="50000"/>
+                        </a:schemeClr>
+                      </a:solidFill>
+                      <a:prstDash val="solid"/>
+                    </a:lnL>
+                    <a:lnR w="12700">
+                      <a:solidFill>
+                        <a:schemeClr val="bg1">
+                          <a:lumMod val="50000"/>
+                        </a:schemeClr>
+                      </a:solidFill>
+                      <a:prstDash val="solid"/>
+                    </a:lnR>
+                    <a:lnT w="12700">
+                      <a:solidFill>
+                        <a:schemeClr val="bg1">
+                          <a:lumMod val="50000"/>
+                        </a:schemeClr>
+                      </a:solidFill>
+                      <a:prstDash val="solid"/>
+                    </a:lnT>
+                    <a:lnB w="12700">
+                      <a:solidFill>
+                        <a:schemeClr val="bg1">
+                          <a:lumMod val="50000"/>
+                        </a:schemeClr>
+                      </a:solidFill>
+                      <a:prstDash val="solid"/>
+                    </a:lnB>
+                    <a:lnTlToBr>
+                      <a:noFill/>
+                    </a:lnTlToBr>
+                    <a:lnBlToTr>
+                      <a:noFill/>
+                    </a:lnBlToTr>
+                    <a:noFill/>
+                  </a:tcPr>
+                </a:tc>
+              </a:tr>
+              <a:tr h="792480">
+                <a:tc>
+                  <a:txBody>
+                    <a:bodyPr/>
+                    <a:p>
+                      <a:pPr>
+                        <a:buNone/>
+                      </a:pPr>
+                      <a:endParaRPr lang="en-US"/>
+                    </a:p>
+                  </a:txBody>
+                  <a:tcPr>
+                    <a:lnL w="12700">
+                      <a:solidFill>
+                        <a:schemeClr val="bg1">
+                          <a:lumMod val="50000"/>
+                        </a:schemeClr>
+                      </a:solidFill>
+                      <a:prstDash val="solid"/>
+                    </a:lnL>
+                    <a:lnR w="12700">
+                      <a:solidFill>
+                        <a:schemeClr val="bg1">
+                          <a:lumMod val="50000"/>
+                        </a:schemeClr>
+                      </a:solidFill>
+                      <a:prstDash val="solid"/>
+                    </a:lnR>
+                    <a:lnT w="12700">
+                      <a:solidFill>
+                        <a:schemeClr val="bg1">
+                          <a:lumMod val="50000"/>
+                        </a:schemeClr>
+                      </a:solidFill>
+                      <a:prstDash val="solid"/>
+                    </a:lnT>
+                    <a:lnB w="12700">
+                      <a:solidFill>
+                        <a:schemeClr val="bg1">
+                          <a:lumMod val="50000"/>
+                        </a:schemeClr>
+                      </a:solidFill>
+                      <a:prstDash val="solid"/>
+                    </a:lnB>
+                    <a:lnTlToBr>
+                      <a:noFill/>
+                    </a:lnTlToBr>
+                    <a:lnBlToTr>
+                      <a:noFill/>
+                    </a:lnBlToTr>
+                    <a:noFill/>
+                  </a:tcPr>
+                </a:tc>
+                <a:tc>
+                  <a:txBody>
+                    <a:bodyPr/>
+                    <a:p>
+                      <a:pPr>
+                        <a:buNone/>
+                      </a:pPr>
+                      <a:endParaRPr lang="en-US"/>
+                    </a:p>
+                  </a:txBody>
+                  <a:tcPr>
+                    <a:lnL w="12700">
+                      <a:solidFill>
+                        <a:schemeClr val="bg1">
+                          <a:lumMod val="50000"/>
+                        </a:schemeClr>
+                      </a:solidFill>
+                      <a:prstDash val="solid"/>
+                    </a:lnL>
+                    <a:lnR w="12700">
+                      <a:solidFill>
+                        <a:schemeClr val="bg1">
+                          <a:lumMod val="50000"/>
+                        </a:schemeClr>
+                      </a:solidFill>
+                      <a:prstDash val="solid"/>
+                    </a:lnR>
+                    <a:lnT w="12700">
+                      <a:solidFill>
+                        <a:schemeClr val="bg1">
+                          <a:lumMod val="50000"/>
+                        </a:schemeClr>
+                      </a:solidFill>
+                      <a:prstDash val="solid"/>
+                    </a:lnT>
+                    <a:lnB w="12700">
+                      <a:solidFill>
+                        <a:schemeClr val="bg1">
+                          <a:lumMod val="50000"/>
+                        </a:schemeClr>
+                      </a:solidFill>
+                      <a:prstDash val="solid"/>
+                    </a:lnB>
+                    <a:lnTlToBr>
+                      <a:noFill/>
+                    </a:lnTlToBr>
+                    <a:lnBlToTr>
+                      <a:noFill/>
+                    </a:lnBlToTr>
+                    <a:noFill/>
+                  </a:tcPr>
+                </a:tc>
+                <a:tc>
+                  <a:txBody>
+                    <a:bodyPr/>
+                    <a:p>
+                      <a:pPr>
+                        <a:buNone/>
+                      </a:pPr>
+                      <a:endParaRPr lang="en-US"/>
+                    </a:p>
+                  </a:txBody>
+                  <a:tcPr>
+                    <a:lnL w="12700">
+                      <a:solidFill>
+                        <a:schemeClr val="bg1">
+                          <a:lumMod val="50000"/>
+                        </a:schemeClr>
+                      </a:solidFill>
+                      <a:prstDash val="solid"/>
+                    </a:lnL>
+                    <a:lnR w="12700">
+                      <a:solidFill>
+                        <a:schemeClr val="bg1">
+                          <a:lumMod val="50000"/>
+                        </a:schemeClr>
+                      </a:solidFill>
+                      <a:prstDash val="solid"/>
+                    </a:lnR>
+                    <a:lnT w="12700">
+                      <a:solidFill>
+                        <a:schemeClr val="bg1">
+                          <a:lumMod val="50000"/>
+                        </a:schemeClr>
+                      </a:solidFill>
+                      <a:prstDash val="solid"/>
+                    </a:lnT>
+                    <a:lnB w="12700">
+                      <a:solidFill>
+                        <a:schemeClr val="bg1">
+                          <a:lumMod val="50000"/>
+                        </a:schemeClr>
+                      </a:solidFill>
+                      <a:prstDash val="solid"/>
+                    </a:lnB>
+                    <a:lnTlToBr>
+                      <a:noFill/>
+                    </a:lnTlToBr>
+                    <a:lnBlToTr>
+                      <a:noFill/>
+                    </a:lnBlToTr>
+                    <a:noFill/>
+                  </a:tcPr>
+                </a:tc>
+                <a:tc>
+                  <a:txBody>
+                    <a:bodyPr/>
+                    <a:p>
+                      <a:pPr>
+                        <a:buNone/>
+                      </a:pPr>
+                      <a:endParaRPr lang="en-US"/>
+                    </a:p>
+                  </a:txBody>
+                  <a:tcPr>
+                    <a:lnL w="12700">
+                      <a:solidFill>
+                        <a:schemeClr val="bg1">
+                          <a:lumMod val="50000"/>
+                        </a:schemeClr>
+                      </a:solidFill>
+                      <a:prstDash val="solid"/>
+                    </a:lnL>
+                    <a:lnR w="12700">
+                      <a:solidFill>
+                        <a:schemeClr val="bg1">
+                          <a:lumMod val="50000"/>
+                        </a:schemeClr>
+                      </a:solidFill>
+                      <a:prstDash val="solid"/>
+                    </a:lnR>
+                    <a:lnT w="12700">
+                      <a:solidFill>
+                        <a:schemeClr val="bg1">
+                          <a:lumMod val="50000"/>
+                        </a:schemeClr>
+                      </a:solidFill>
+                      <a:prstDash val="solid"/>
+                    </a:lnT>
+                    <a:lnB w="12700">
+                      <a:solidFill>
+                        <a:schemeClr val="bg1">
+                          <a:lumMod val="50000"/>
+                        </a:schemeClr>
+                      </a:solidFill>
+                      <a:prstDash val="solid"/>
+                    </a:lnB>
+                    <a:lnTlToBr>
+                      <a:noFill/>
+                    </a:lnTlToBr>
+                    <a:lnBlToTr>
+                      <a:noFill/>
+                    </a:lnBlToTr>
+                    <a:noFill/>
+                  </a:tcPr>
+                </a:tc>
+                <a:tc>
+                  <a:txBody>
+                    <a:bodyPr/>
+                    <a:p>
+                      <a:pPr>
+                        <a:buNone/>
+                      </a:pPr>
+                      <a:endParaRPr lang="en-US"/>
+                    </a:p>
+                  </a:txBody>
+                  <a:tcPr>
+                    <a:lnL w="12700">
+                      <a:solidFill>
+                        <a:schemeClr val="bg1">
+                          <a:lumMod val="50000"/>
+                        </a:schemeClr>
+                      </a:solidFill>
+                      <a:prstDash val="solid"/>
+                    </a:lnL>
+                    <a:lnR w="12700">
+                      <a:solidFill>
+                        <a:schemeClr val="bg1">
+                          <a:lumMod val="50000"/>
+                        </a:schemeClr>
+                      </a:solidFill>
+                      <a:prstDash val="solid"/>
+                    </a:lnR>
+                    <a:lnT w="12700">
+                      <a:solidFill>
+                        <a:schemeClr val="bg1">
+                          <a:lumMod val="50000"/>
+                        </a:schemeClr>
+                      </a:solidFill>
+                      <a:prstDash val="solid"/>
+                    </a:lnT>
+                    <a:lnB w="12700">
+                      <a:solidFill>
+                        <a:schemeClr val="bg1">
+                          <a:lumMod val="50000"/>
+                        </a:schemeClr>
+                      </a:solidFill>
+                      <a:prstDash val="solid"/>
+                    </a:lnB>
+                    <a:lnTlToBr>
+                      <a:noFill/>
+                    </a:lnTlToBr>
+                    <a:lnBlToTr>
+                      <a:noFill/>
+                    </a:lnBlToTr>
+                    <a:noFill/>
+                  </a:tcPr>
+                </a:tc>
+              </a:tr>
+              <a:tr h="792480">
+                <a:tc>
+                  <a:txBody>
+                    <a:bodyPr/>
+                    <a:p>
+                      <a:pPr>
+                        <a:buNone/>
+                      </a:pPr>
+                      <a:endParaRPr lang="en-US"/>
+                    </a:p>
+                  </a:txBody>
+                  <a:tcPr>
+                    <a:lnL w="12700">
+                      <a:solidFill>
+                        <a:schemeClr val="bg1">
+                          <a:lumMod val="50000"/>
+                        </a:schemeClr>
+                      </a:solidFill>
+                      <a:prstDash val="solid"/>
+                    </a:lnL>
+                    <a:lnR w="12700">
+                      <a:solidFill>
+                        <a:schemeClr val="bg1">
+                          <a:lumMod val="50000"/>
+                        </a:schemeClr>
+                      </a:solidFill>
+                      <a:prstDash val="solid"/>
+                    </a:lnR>
+                    <a:lnT w="12700">
+                      <a:solidFill>
+                        <a:schemeClr val="bg1">
+                          <a:lumMod val="50000"/>
+                        </a:schemeClr>
+                      </a:solidFill>
+                      <a:prstDash val="solid"/>
+                    </a:lnT>
+                    <a:lnB w="12700">
+                      <a:solidFill>
+                        <a:schemeClr val="bg1">
+                          <a:lumMod val="50000"/>
+                        </a:schemeClr>
+                      </a:solidFill>
+                      <a:prstDash val="solid"/>
+                    </a:lnB>
+                    <a:lnTlToBr>
+                      <a:noFill/>
+                    </a:lnTlToBr>
+                    <a:lnBlToTr>
+                      <a:noFill/>
+                    </a:lnBlToTr>
+                    <a:noFill/>
+                  </a:tcPr>
+                </a:tc>
+                <a:tc>
+                  <a:txBody>
+                    <a:bodyPr/>
+                    <a:p>
+                      <a:pPr>
+                        <a:buNone/>
+                      </a:pPr>
+                      <a:endParaRPr lang="en-US"/>
+                    </a:p>
+                  </a:txBody>
+                  <a:tcPr>
+                    <a:lnL w="12700">
+                      <a:solidFill>
+                        <a:schemeClr val="bg1">
+                          <a:lumMod val="50000"/>
+                        </a:schemeClr>
+                      </a:solidFill>
+                      <a:prstDash val="solid"/>
+                    </a:lnL>
+                    <a:lnR w="12700">
+                      <a:solidFill>
+                        <a:schemeClr val="bg1">
+                          <a:lumMod val="50000"/>
+                        </a:schemeClr>
+                      </a:solidFill>
+                      <a:prstDash val="solid"/>
+                    </a:lnR>
+                    <a:lnT w="12700">
+                      <a:solidFill>
+                        <a:schemeClr val="bg1">
+                          <a:lumMod val="50000"/>
+                        </a:schemeClr>
+                      </a:solidFill>
+                      <a:prstDash val="solid"/>
+                    </a:lnT>
+                    <a:lnB w="12700">
+                      <a:solidFill>
+                        <a:schemeClr val="bg1">
+                          <a:lumMod val="50000"/>
+                        </a:schemeClr>
+                      </a:solidFill>
+                      <a:prstDash val="solid"/>
+                    </a:lnB>
+                    <a:lnTlToBr>
+                      <a:noFill/>
+                    </a:lnTlToBr>
+                    <a:lnBlToTr>
+                      <a:noFill/>
+                    </a:lnBlToTr>
+                    <a:noFill/>
+                  </a:tcPr>
+                </a:tc>
+                <a:tc>
+                  <a:txBody>
+                    <a:bodyPr/>
+                    <a:p>
+                      <a:pPr>
+                        <a:buNone/>
+                      </a:pPr>
+                      <a:endParaRPr lang="en-US"/>
+                    </a:p>
+                  </a:txBody>
+                  <a:tcPr>
+                    <a:lnL w="12700">
+                      <a:solidFill>
+                        <a:schemeClr val="bg1">
+                          <a:lumMod val="50000"/>
+                        </a:schemeClr>
+                      </a:solidFill>
+                      <a:prstDash val="solid"/>
+                    </a:lnL>
+                    <a:lnR w="12700">
+                      <a:solidFill>
+                        <a:schemeClr val="bg1">
+                          <a:lumMod val="50000"/>
+                        </a:schemeClr>
+                      </a:solidFill>
+                      <a:prstDash val="solid"/>
+                    </a:lnR>
+                    <a:lnT w="12700">
+                      <a:solidFill>
+                        <a:schemeClr val="bg1">
+                          <a:lumMod val="50000"/>
+                        </a:schemeClr>
+                      </a:solidFill>
+                      <a:prstDash val="solid"/>
+                    </a:lnT>
+                    <a:lnB w="12700">
+                      <a:solidFill>
+                        <a:schemeClr val="bg1">
+                          <a:lumMod val="50000"/>
+                        </a:schemeClr>
+                      </a:solidFill>
+                      <a:prstDash val="solid"/>
+                    </a:lnB>
+                    <a:lnTlToBr>
+                      <a:noFill/>
+                    </a:lnTlToBr>
+                    <a:lnBlToTr>
+                      <a:noFill/>
+                    </a:lnBlToTr>
+                    <a:noFill/>
+                  </a:tcPr>
+                </a:tc>
+                <a:tc>
+                  <a:txBody>
+                    <a:bodyPr/>
+                    <a:p>
+                      <a:pPr>
+                        <a:buNone/>
+                      </a:pPr>
+                      <a:endParaRPr lang="en-US"/>
+                    </a:p>
+                  </a:txBody>
+                  <a:tcPr>
+                    <a:lnL w="12700">
+                      <a:solidFill>
+                        <a:schemeClr val="bg1">
+                          <a:lumMod val="50000"/>
+                        </a:schemeClr>
+                      </a:solidFill>
+                      <a:prstDash val="solid"/>
+                    </a:lnL>
+                    <a:lnR w="12700">
+                      <a:solidFill>
+                        <a:schemeClr val="bg1">
+                          <a:lumMod val="50000"/>
+                        </a:schemeClr>
+                      </a:solidFill>
+                      <a:prstDash val="solid"/>
+                    </a:lnR>
+                    <a:lnT w="12700">
+                      <a:solidFill>
+                        <a:schemeClr val="bg1">
+                          <a:lumMod val="50000"/>
+                        </a:schemeClr>
+                      </a:solidFill>
+                      <a:prstDash val="solid"/>
+                    </a:lnT>
+                    <a:lnB w="12700">
+                      <a:solidFill>
+                        <a:schemeClr val="bg1">
+                          <a:lumMod val="50000"/>
+                        </a:schemeClr>
+                      </a:solidFill>
+                      <a:prstDash val="solid"/>
+                    </a:lnB>
+                    <a:lnTlToBr>
+                      <a:noFill/>
+                    </a:lnTlToBr>
+                    <a:lnBlToTr>
+                      <a:noFill/>
+                    </a:lnBlToTr>
+                    <a:noFill/>
+                  </a:tcPr>
+                </a:tc>
+                <a:tc>
+                  <a:txBody>
+                    <a:bodyPr/>
+                    <a:p>
+                      <a:pPr>
+                        <a:buNone/>
+                      </a:pPr>
+                      <a:endParaRPr lang="en-US"/>
+                    </a:p>
+                  </a:txBody>
+                  <a:tcPr>
+                    <a:lnL w="12700">
+                      <a:solidFill>
+                        <a:schemeClr val="bg1">
+                          <a:lumMod val="50000"/>
+                        </a:schemeClr>
+                      </a:solidFill>
+                      <a:prstDash val="solid"/>
+                    </a:lnL>
+                    <a:lnR w="12700">
+                      <a:solidFill>
+                        <a:schemeClr val="bg1">
+                          <a:lumMod val="50000"/>
+                        </a:schemeClr>
+                      </a:solidFill>
+                      <a:prstDash val="solid"/>
+                    </a:lnR>
+                    <a:lnT w="12700">
+                      <a:solidFill>
+                        <a:schemeClr val="bg1">
+                          <a:lumMod val="50000"/>
+                        </a:schemeClr>
+                      </a:solidFill>
+                      <a:prstDash val="solid"/>
+                    </a:lnT>
+                    <a:lnB w="12700">
+                      <a:solidFill>
+                        <a:schemeClr val="bg1">
+                          <a:lumMod val="50000"/>
+                        </a:schemeClr>
+                      </a:solidFill>
+                      <a:prstDash val="solid"/>
+                    </a:lnB>
+                    <a:lnTlToBr>
+                      <a:noFill/>
+                    </a:lnTlToBr>
+                    <a:lnBlToTr>
+                      <a:noFill/>
+                    </a:lnBlToTr>
+                    <a:noFill/>
+                  </a:tcPr>
+                </a:tc>
+              </a:tr>
+              <a:tr h="792480">
+                <a:tc>
+                  <a:txBody>
+                    <a:bodyPr/>
+                    <a:p>
+                      <a:pPr>
+                        <a:buNone/>
+                      </a:pPr>
+                      <a:endParaRPr lang="en-US"/>
+                    </a:p>
+                  </a:txBody>
+                  <a:tcPr>
+                    <a:lnL w="12700">
+                      <a:solidFill>
+                        <a:schemeClr val="bg1">
+                          <a:lumMod val="50000"/>
+                        </a:schemeClr>
+                      </a:solidFill>
+                      <a:prstDash val="solid"/>
+                    </a:lnL>
+                    <a:lnR w="12700">
+                      <a:solidFill>
+                        <a:schemeClr val="bg1">
+                          <a:lumMod val="50000"/>
+                        </a:schemeClr>
+                      </a:solidFill>
+                      <a:prstDash val="solid"/>
+                    </a:lnR>
+                    <a:lnT w="12700">
+                      <a:solidFill>
+                        <a:schemeClr val="bg1">
+                          <a:lumMod val="50000"/>
+                        </a:schemeClr>
+                      </a:solidFill>
+                      <a:prstDash val="solid"/>
+                    </a:lnT>
+                    <a:lnB w="12700">
+                      <a:solidFill>
+                        <a:schemeClr val="bg1">
+                          <a:lumMod val="50000"/>
+                        </a:schemeClr>
+                      </a:solidFill>
+                      <a:prstDash val="solid"/>
+                    </a:lnB>
+                    <a:lnTlToBr>
+                      <a:noFill/>
+                    </a:lnTlToBr>
+                    <a:lnBlToTr>
+                      <a:noFill/>
+                    </a:lnBlToTr>
+                    <a:noFill/>
+                  </a:tcPr>
+                </a:tc>
+                <a:tc>
+                  <a:txBody>
+                    <a:bodyPr/>
+                    <a:p>
+                      <a:pPr>
+                        <a:buNone/>
+                      </a:pPr>
+                      <a:endParaRPr lang="en-US"/>
+                    </a:p>
+                  </a:txBody>
+                  <a:tcPr>
+                    <a:lnL w="12700">
+                      <a:solidFill>
+                        <a:schemeClr val="bg1">
+                          <a:lumMod val="50000"/>
+                        </a:schemeClr>
+                      </a:solidFill>
+                      <a:prstDash val="solid"/>
+                    </a:lnL>
+                    <a:lnR w="12700">
+                      <a:solidFill>
+                        <a:schemeClr val="bg1">
+                          <a:lumMod val="50000"/>
+                        </a:schemeClr>
+                      </a:solidFill>
+                      <a:prstDash val="solid"/>
+                    </a:lnR>
+                    <a:lnT w="12700">
+                      <a:solidFill>
+                        <a:schemeClr val="bg1">
+                          <a:lumMod val="50000"/>
+                        </a:schemeClr>
+                      </a:solidFill>
+                      <a:prstDash val="solid"/>
+                    </a:lnT>
+                    <a:lnB w="12700">
+                      <a:solidFill>
+                        <a:schemeClr val="bg1">
+                          <a:lumMod val="50000"/>
+                        </a:schemeClr>
+                      </a:solidFill>
+                      <a:prstDash val="solid"/>
+                    </a:lnB>
+                    <a:lnTlToBr>
+                      <a:noFill/>
+                    </a:lnTlToBr>
+                    <a:lnBlToTr>
+                      <a:noFill/>
+                    </a:lnBlToTr>
+                    <a:noFill/>
+                  </a:tcPr>
+                </a:tc>
+                <a:tc>
+                  <a:txBody>
+                    <a:bodyPr/>
+                    <a:p>
+                      <a:pPr>
+                        <a:buNone/>
+                      </a:pPr>
+                      <a:endParaRPr lang="en-US"/>
+                    </a:p>
+                  </a:txBody>
+                  <a:tcPr>
+                    <a:lnL w="12700">
+                      <a:solidFill>
+                        <a:schemeClr val="bg1">
+                          <a:lumMod val="50000"/>
+                        </a:schemeClr>
+                      </a:solidFill>
+                      <a:prstDash val="solid"/>
+                    </a:lnL>
+                    <a:lnR w="12700">
+                      <a:solidFill>
+                        <a:schemeClr val="bg1">
+                          <a:lumMod val="50000"/>
+                        </a:schemeClr>
+                      </a:solidFill>
+                      <a:prstDash val="solid"/>
+                    </a:lnR>
+                    <a:lnT w="12700">
+                      <a:solidFill>
+                        <a:schemeClr val="bg1">
+                          <a:lumMod val="50000"/>
+                        </a:schemeClr>
+                      </a:solidFill>
+                      <a:prstDash val="solid"/>
+                    </a:lnT>
+                    <a:lnB w="12700">
+                      <a:solidFill>
+                        <a:schemeClr val="bg1">
+                          <a:lumMod val="50000"/>
+                        </a:schemeClr>
+                      </a:solidFill>
+                      <a:prstDash val="solid"/>
+                    </a:lnB>
+                    <a:lnTlToBr>
+                      <a:noFill/>
+                    </a:lnTlToBr>
+                    <a:lnBlToTr>
+                      <a:noFill/>
+                    </a:lnBlToTr>
+                    <a:noFill/>
+                  </a:tcPr>
+                </a:tc>
+                <a:tc>
+                  <a:txBody>
+                    <a:bodyPr/>
+                    <a:p>
+                      <a:pPr>
+                        <a:buNone/>
+                      </a:pPr>
+                      <a:endParaRPr lang="en-US"/>
+                    </a:p>
+                  </a:txBody>
+                  <a:tcPr>
+                    <a:lnL w="12700">
+                      <a:solidFill>
+                        <a:schemeClr val="bg1">
+                          <a:lumMod val="50000"/>
+                        </a:schemeClr>
+                      </a:solidFill>
+                      <a:prstDash val="solid"/>
+                    </a:lnL>
+                    <a:lnR w="12700">
+                      <a:solidFill>
+                        <a:schemeClr val="bg1">
+                          <a:lumMod val="50000"/>
+                        </a:schemeClr>
+                      </a:solidFill>
+                      <a:prstDash val="solid"/>
+                    </a:lnR>
+                    <a:lnT w="12700">
+                      <a:solidFill>
+                        <a:schemeClr val="bg1">
+                          <a:lumMod val="50000"/>
+                        </a:schemeClr>
+                      </a:solidFill>
+                      <a:prstDash val="solid"/>
+                    </a:lnT>
+                    <a:lnB w="12700">
+                      <a:solidFill>
+                        <a:schemeClr val="bg1">
+                          <a:lumMod val="50000"/>
+                        </a:schemeClr>
+                      </a:solidFill>
+                      <a:prstDash val="solid"/>
+                    </a:lnB>
+                    <a:lnTlToBr>
+                      <a:noFill/>
+                    </a:lnTlToBr>
+                    <a:lnBlToTr>
+                      <a:noFill/>
+                    </a:lnBlToTr>
+                    <a:noFill/>
+                  </a:tcPr>
+                </a:tc>
+                <a:tc>
+                  <a:txBody>
+                    <a:bodyPr/>
+                    <a:p>
+                      <a:pPr>
+                        <a:buNone/>
+                      </a:pPr>
+                      <a:endParaRPr lang="en-US"/>
+                    </a:p>
+                  </a:txBody>
+                  <a:tcPr>
+                    <a:lnL w="12700">
+                      <a:solidFill>
+                        <a:schemeClr val="bg1">
+                          <a:lumMod val="50000"/>
+                        </a:schemeClr>
+                      </a:solidFill>
+                      <a:prstDash val="solid"/>
+                    </a:lnL>
+                    <a:lnR w="12700">
+                      <a:solidFill>
+                        <a:schemeClr val="bg1">
+                          <a:lumMod val="50000"/>
+                        </a:schemeClr>
+                      </a:solidFill>
+                      <a:prstDash val="solid"/>
+                    </a:lnR>
+                    <a:lnT w="12700">
+                      <a:solidFill>
+                        <a:schemeClr val="bg1">
+                          <a:lumMod val="50000"/>
+                        </a:schemeClr>
+                      </a:solidFill>
+                      <a:prstDash val="solid"/>
+                    </a:lnT>
+                    <a:lnB w="12700">
+                      <a:solidFill>
+                        <a:schemeClr val="bg1">
+                          <a:lumMod val="50000"/>
+                        </a:schemeClr>
+                      </a:solidFill>
+                      <a:prstDash val="solid"/>
+                    </a:lnB>
+                    <a:lnTlToBr>
+                      <a:noFill/>
+                    </a:lnTlToBr>
+                    <a:lnBlToTr>
+                      <a:noFill/>
+                    </a:lnBlToTr>
+                    <a:noFill/>
+                  </a:tcPr>
+                </a:tc>
+              </a:tr>
+            </a:tbl>
+          </a:graphicData>
+        </a:graphic>
+      </p:graphicFrame>
+      <p:sp>
+        <p:nvSpPr>
+          <p:cNvPr id="14" name="Text Box 13"/>
+          <p:cNvSpPr txBox="1"/>
+          <p:nvPr/>
+        </p:nvSpPr>
+        <p:spPr>
+          <a:xfrm>
+            <a:off x="3033395" y="5357495"/>
+            <a:ext cx="784860" cy="368300"/>
+          </a:xfrm>
+          <a:prstGeom prst="rect">
+            <a:avLst/>
+          </a:prstGeom>
+          <a:noFill/>
+        </p:spPr>
+        <p:txBody>
+          <a:bodyPr wrap="none" rtlCol="0">
+            <a:spAutoFit/>
+          </a:bodyPr>
+          <a:p>
+            <a:pPr algn="ctr"/>
+            <a:r>
+              <a:rPr lang="" altLang="en-US"/>
+              <a:t>Mesh</a:t>
+            </a:r>
+            <a:endParaRPr lang="" altLang="en-US"/>
+          </a:p>
+        </p:txBody>
+      </p:sp>
+      <p:sp>
+        <p:nvSpPr>
+          <p:cNvPr id="15" name="Text Box 14"/>
+          <p:cNvSpPr txBox="1"/>
+          <p:nvPr/>
+        </p:nvSpPr>
+        <p:spPr>
+          <a:xfrm>
+            <a:off x="8154988" y="5357495"/>
+            <a:ext cx="1017905" cy="368300"/>
+          </a:xfrm>
+          <a:prstGeom prst="rect">
+            <a:avLst/>
+          </a:prstGeom>
+          <a:noFill/>
+        </p:spPr>
+        <p:txBody>
+          <a:bodyPr wrap="none" rtlCol="0">
+            <a:spAutoFit/>
+          </a:bodyPr>
+          <a:p>
+            <a:pPr algn="ctr"/>
+            <a:r>
+              <a:rPr lang="" altLang="en-US"/>
+              <a:t>Texture</a:t>
+            </a:r>
+            <a:endParaRPr lang="" altLang="en-US"/>
+          </a:p>
+        </p:txBody>
+      </p:sp>
+      <p:sp>
+        <p:nvSpPr>
+          <p:cNvPr id="16" name="Text Box 15"/>
+          <p:cNvSpPr txBox="1"/>
+          <p:nvPr/>
+        </p:nvSpPr>
+        <p:spPr>
+          <a:xfrm>
+            <a:off x="777875" y="615950"/>
+            <a:ext cx="882650" cy="460375"/>
+          </a:xfrm>
+          <a:prstGeom prst="rect">
+            <a:avLst/>
+          </a:prstGeom>
+          <a:noFill/>
+        </p:spPr>
+        <p:txBody>
+          <a:bodyPr wrap="none" rtlCol="0">
+            <a:spAutoFit/>
+          </a:bodyPr>
+          <a:p>
+            <a:r>
+              <a:rPr lang="" altLang="en-US" sz="1200"/>
+              <a:t>p : (0;0)</a:t>
+            </a:r>
+            <a:endParaRPr lang="" altLang="en-US" sz="1200"/>
+          </a:p>
+          <a:p>
+            <a:r>
+              <a:rPr lang="" altLang="en-US" sz="1200"/>
+              <a:t>uv : (0;0)</a:t>
+            </a:r>
+            <a:endParaRPr lang="" altLang="en-US" sz="1200"/>
+          </a:p>
+        </p:txBody>
+      </p:sp>
+      <p:sp>
+        <p:nvSpPr>
+          <p:cNvPr id="17" name="Text Box 16"/>
+          <p:cNvSpPr txBox="1"/>
+          <p:nvPr/>
+        </p:nvSpPr>
+        <p:spPr>
+          <a:xfrm>
+            <a:off x="1660525" y="569595"/>
+            <a:ext cx="1124585" cy="460375"/>
+          </a:xfrm>
+          <a:prstGeom prst="rect">
+            <a:avLst/>
+          </a:prstGeom>
+          <a:noFill/>
+        </p:spPr>
+        <p:txBody>
+          <a:bodyPr wrap="none" rtlCol="0">
+            <a:spAutoFit/>
+          </a:bodyPr>
+          <a:p>
+            <a:r>
+              <a:rPr lang="en-US" altLang="en-US" sz="1200"/>
+              <a:t>p : (0;0)</a:t>
+            </a:r>
+            <a:endParaRPr lang="en-US" altLang="en-US" sz="1200"/>
+          </a:p>
+          <a:p>
+            <a:r>
+              <a:rPr lang="en-US" altLang="en-US" sz="1200"/>
+              <a:t>uv : (0</a:t>
+            </a:r>
+            <a:r>
+              <a:rPr lang="" altLang="en-US" sz="1200"/>
+              <a:t>.2 </a:t>
+            </a:r>
+            <a:r>
+              <a:rPr lang="en-US" altLang="en-US" sz="1200"/>
+              <a:t>; 0)</a:t>
+            </a:r>
+            <a:endParaRPr lang="en-US" altLang="en-US" sz="1200"/>
+          </a:p>
+        </p:txBody>
+      </p:sp>
+      <p:sp>
+        <p:nvSpPr>
+          <p:cNvPr id="18" name="Text Box 17"/>
+          <p:cNvSpPr txBox="1"/>
+          <p:nvPr/>
+        </p:nvSpPr>
+        <p:spPr>
+          <a:xfrm>
+            <a:off x="2842260" y="708025"/>
+            <a:ext cx="327660" cy="275590"/>
+          </a:xfrm>
+          <a:prstGeom prst="rect">
+            <a:avLst/>
+          </a:prstGeom>
+          <a:noFill/>
+        </p:spPr>
+        <p:txBody>
+          <a:bodyPr wrap="none" rtlCol="0">
+            <a:spAutoFit/>
+          </a:bodyPr>
+          <a:p>
+            <a:r>
+              <a:rPr lang="" altLang="en-US" sz="1200"/>
+              <a:t>...</a:t>
+            </a:r>
+            <a:endParaRPr lang="" altLang="en-US" sz="1200"/>
+          </a:p>
+        </p:txBody>
+      </p:sp>
+      <p:sp>
+        <p:nvSpPr>
+          <p:cNvPr id="19" name="Text Box 18"/>
+          <p:cNvSpPr txBox="1"/>
+          <p:nvPr/>
+        </p:nvSpPr>
+        <p:spPr>
+          <a:xfrm>
+            <a:off x="3693160" y="708025"/>
+            <a:ext cx="327660" cy="275590"/>
+          </a:xfrm>
+          <a:prstGeom prst="rect">
+            <a:avLst/>
+          </a:prstGeom>
+          <a:noFill/>
+        </p:spPr>
+        <p:txBody>
+          <a:bodyPr wrap="none" rtlCol="0">
+            <a:spAutoFit/>
+          </a:bodyPr>
+          <a:p>
+            <a:r>
+              <a:rPr lang="en-US" altLang="en-US" sz="1200"/>
+              <a:t>...</a:t>
+            </a:r>
+            <a:endParaRPr lang="en-US" altLang="en-US" sz="1200"/>
+          </a:p>
+        </p:txBody>
+      </p:sp>
+      <p:sp>
+        <p:nvSpPr>
+          <p:cNvPr id="20" name="Text Box 19"/>
+          <p:cNvSpPr txBox="1"/>
+          <p:nvPr/>
+        </p:nvSpPr>
+        <p:spPr>
+          <a:xfrm>
+            <a:off x="4544060" y="708660"/>
+            <a:ext cx="327660" cy="275590"/>
+          </a:xfrm>
+          <a:prstGeom prst="rect">
+            <a:avLst/>
+          </a:prstGeom>
+          <a:noFill/>
+        </p:spPr>
+        <p:txBody>
+          <a:bodyPr wrap="none" rtlCol="0">
+            <a:spAutoFit/>
+          </a:bodyPr>
+          <a:p>
+            <a:r>
+              <a:rPr lang="en-US" altLang="en-US" sz="1200"/>
+              <a:t>...</a:t>
+            </a:r>
+            <a:endParaRPr lang="en-US" altLang="en-US" sz="1200"/>
+          </a:p>
+        </p:txBody>
+      </p:sp>
+      <p:sp>
+        <p:nvSpPr>
+          <p:cNvPr id="21" name="Text Box 20"/>
+          <p:cNvSpPr txBox="1"/>
+          <p:nvPr/>
+        </p:nvSpPr>
+        <p:spPr>
+          <a:xfrm>
+            <a:off x="5149850" y="569595"/>
+            <a:ext cx="979170" cy="460375"/>
+          </a:xfrm>
+          <a:prstGeom prst="rect">
+            <a:avLst/>
+          </a:prstGeom>
+          <a:noFill/>
+        </p:spPr>
+        <p:txBody>
+          <a:bodyPr wrap="none" rtlCol="0">
+            <a:spAutoFit/>
+          </a:bodyPr>
+          <a:p>
+            <a:r>
+              <a:rPr lang="en-US" altLang="en-US" sz="1200"/>
+              <a:t>p : </a:t>
+            </a:r>
+            <a:r>
+              <a:rPr lang="" altLang="en-US" sz="1200"/>
+              <a:t>...</a:t>
+            </a:r>
+            <a:endParaRPr lang="en-US" altLang="en-US" sz="1200"/>
+          </a:p>
+          <a:p>
+            <a:r>
+              <a:rPr lang="en-US" altLang="en-US" sz="1200"/>
+              <a:t>uv : (</a:t>
+            </a:r>
+            <a:r>
+              <a:rPr lang="" altLang="en-US" sz="1200"/>
+              <a:t>1</a:t>
+            </a:r>
+            <a:r>
+              <a:rPr lang="en-US" altLang="en-US" sz="1200"/>
+              <a:t> ; 0)</a:t>
+            </a:r>
+            <a:endParaRPr lang="en-US" altLang="en-US" sz="1200"/>
+          </a:p>
+        </p:txBody>
+      </p:sp>
+      <p:sp>
+        <p:nvSpPr>
+          <p:cNvPr id="22" name="Text Box 21"/>
+          <p:cNvSpPr txBox="1"/>
+          <p:nvPr/>
+        </p:nvSpPr>
+        <p:spPr>
+          <a:xfrm>
+            <a:off x="5219700" y="4992370"/>
+            <a:ext cx="979170" cy="460375"/>
+          </a:xfrm>
+          <a:prstGeom prst="rect">
+            <a:avLst/>
+          </a:prstGeom>
+          <a:noFill/>
+        </p:spPr>
+        <p:txBody>
+          <a:bodyPr wrap="none" rtlCol="0">
+            <a:spAutoFit/>
+          </a:bodyPr>
+          <a:p>
+            <a:r>
+              <a:rPr lang="en-US" altLang="en-US" sz="1200"/>
+              <a:t>p : ...</a:t>
+            </a:r>
+            <a:endParaRPr lang="en-US" altLang="en-US" sz="1200"/>
+          </a:p>
+          <a:p>
+            <a:r>
+              <a:rPr lang="en-US" altLang="en-US" sz="1200"/>
+              <a:t>uv : (1 ; </a:t>
+            </a:r>
+            <a:r>
+              <a:rPr lang="" altLang="en-US" sz="1200"/>
+              <a:t>1</a:t>
+            </a:r>
+            <a:r>
+              <a:rPr lang="en-US" altLang="en-US" sz="1200"/>
+              <a:t>)</a:t>
+            </a:r>
+            <a:endParaRPr lang="en-US" altLang="en-US" sz="1200"/>
+          </a:p>
+        </p:txBody>
+      </p:sp>
+      <p:sp>
+        <p:nvSpPr>
+          <p:cNvPr id="23" name="Text Box 22"/>
+          <p:cNvSpPr txBox="1"/>
+          <p:nvPr/>
+        </p:nvSpPr>
+        <p:spPr>
+          <a:xfrm>
+            <a:off x="681355" y="4992370"/>
+            <a:ext cx="979170" cy="460375"/>
+          </a:xfrm>
+          <a:prstGeom prst="rect">
+            <a:avLst/>
+          </a:prstGeom>
+          <a:noFill/>
+        </p:spPr>
+        <p:txBody>
+          <a:bodyPr wrap="none" rtlCol="0">
+            <a:spAutoFit/>
+          </a:bodyPr>
+          <a:p>
+            <a:r>
+              <a:rPr lang="en-US" altLang="en-US" sz="1200"/>
+              <a:t>p : ...</a:t>
+            </a:r>
+            <a:endParaRPr lang="en-US" altLang="en-US" sz="1200"/>
+          </a:p>
+          <a:p>
+            <a:r>
+              <a:rPr lang="en-US" altLang="en-US" sz="1200"/>
+              <a:t>uv : (</a:t>
+            </a:r>
+            <a:r>
+              <a:rPr lang="" altLang="en-US" sz="1200"/>
+              <a:t>0</a:t>
+            </a:r>
+            <a:r>
+              <a:rPr lang="en-US" altLang="en-US" sz="1200"/>
+              <a:t> ; 1)</a:t>
+            </a:r>
+            <a:endParaRPr lang="en-US" altLang="en-US" sz="1200"/>
+          </a:p>
+        </p:txBody>
+      </p:sp>
+      <p:cxnSp>
+        <p:nvCxnSpPr>
+          <p:cNvPr id="25" name="Straight Connector 24"/>
+          <p:cNvCxnSpPr/>
+          <p:nvPr/>
+        </p:nvCxnSpPr>
+        <p:spPr>
+          <a:xfrm>
+            <a:off x="3876675" y="1042670"/>
+            <a:ext cx="5362575" cy="638175"/>
+          </a:xfrm>
+          <a:prstGeom prst="line">
+            <a:avLst/>
+          </a:prstGeom>
+          <a:ln>
+            <a:solidFill>
+              <a:schemeClr val="bg1">
+                <a:lumMod val="75000"/>
+              </a:schemeClr>
+            </a:solidFill>
+            <a:prstDash val="lgDash"/>
+          </a:ln>
+        </p:spPr>
+        <p:style>
+          <a:lnRef idx="1">
+            <a:schemeClr val="accent1"/>
+          </a:lnRef>
+          <a:fillRef idx="0">
+            <a:schemeClr val="accent1"/>
+          </a:fillRef>
+          <a:effectRef idx="0">
+            <a:schemeClr val="accent1"/>
+          </a:effectRef>
+          <a:fontRef idx="minor">
+            <a:schemeClr val="tx1"/>
+          </a:fontRef>
+        </p:style>
+      </p:cxnSp>
+      <p:cxnSp>
+        <p:nvCxnSpPr>
+          <p:cNvPr id="26" name="Straight Connector 25"/>
+          <p:cNvCxnSpPr>
+            <a:stCxn id="23" idx="0"/>
+          </p:cNvCxnSpPr>
+          <p:nvPr/>
+        </p:nvCxnSpPr>
+        <p:spPr>
+          <a:xfrm flipV="1">
+            <a:off x="1170940" y="4757420"/>
+            <a:ext cx="5963285" cy="234950"/>
+          </a:xfrm>
+          <a:prstGeom prst="line">
+            <a:avLst/>
+          </a:prstGeom>
+          <a:ln>
+            <a:solidFill>
+              <a:schemeClr val="bg1">
+                <a:lumMod val="75000"/>
+              </a:schemeClr>
+            </a:solidFill>
+            <a:prstDash val="lgDash"/>
+          </a:ln>
+        </p:spPr>
+        <p:style>
+          <a:lnRef idx="1">
+            <a:schemeClr val="accent1"/>
+          </a:lnRef>
+          <a:fillRef idx="0">
+            <a:schemeClr val="accent1"/>
+          </a:fillRef>
+          <a:effectRef idx="0">
+            <a:schemeClr val="accent1"/>
+          </a:effectRef>
+          <a:fontRef idx="minor">
+            <a:schemeClr val="tx1"/>
+          </a:fontRef>
+        </p:style>
+      </p:cxnSp>
+      <p:pic>
+        <p:nvPicPr>
+          <p:cNvPr id="27" name="Picture 26" descr="negz"/>
+          <p:cNvPicPr>
+            <a:picLocks noChangeAspect="1"/>
+          </p:cNvPicPr>
+          <p:nvPr/>
+        </p:nvPicPr>
+        <p:blipFill>
+          <a:blip r:embed="rId1"/>
+          <a:srcRect r="77934" b="78534"/>
+          <a:stretch>
+            <a:fillRect/>
+          </a:stretch>
+        </p:blipFill>
+        <p:spPr>
+          <a:xfrm>
+            <a:off x="1181100" y="1032510"/>
+            <a:ext cx="895350" cy="787400"/>
+          </a:xfrm>
+          <a:prstGeom prst="rect">
+            <a:avLst/>
+          </a:prstGeom>
+        </p:spPr>
+      </p:pic>
+      <p:cxnSp>
+        <p:nvCxnSpPr>
+          <p:cNvPr id="24" name="Straight Connector 23"/>
+          <p:cNvCxnSpPr>
+            <a:stCxn id="16" idx="2"/>
+          </p:cNvCxnSpPr>
+          <p:nvPr/>
+        </p:nvCxnSpPr>
+        <p:spPr>
+          <a:xfrm>
+            <a:off x="1219200" y="1076325"/>
+            <a:ext cx="5934075" cy="623570"/>
+          </a:xfrm>
+          <a:prstGeom prst="line">
+            <a:avLst/>
+          </a:prstGeom>
+          <a:ln>
+            <a:solidFill>
+              <a:schemeClr val="bg1">
+                <a:lumMod val="75000"/>
+              </a:schemeClr>
+            </a:solidFill>
+            <a:prstDash val="lgDash"/>
+          </a:ln>
+        </p:spPr>
+        <p:style>
+          <a:lnRef idx="1">
+            <a:schemeClr val="accent1"/>
+          </a:lnRef>
+          <a:fillRef idx="0">
+            <a:schemeClr val="accent1"/>
+          </a:fillRef>
+          <a:effectRef idx="0">
+            <a:schemeClr val="accent1"/>
+          </a:effectRef>
+          <a:fontRef idx="minor">
+            <a:schemeClr val="tx1"/>
+          </a:fontRef>
+        </p:style>
+      </p:cxnSp>
+    </p:spTree>
+  </p:cSld>
+  <p:clrMapOvr>
+    <a:masterClrMapping/>
+  </p:clrMapOvr>
+</p:sld>
+</file>
+
+<file path=ppt/slides/slide7.xml><?xml version="1.0" encoding="utf-8"?>
+<p:sld xmlns:a="http://schemas.openxmlformats.org/drawingml/2006/main" xmlns:r="http://schemas.openxmlformats.org/officeDocument/2006/relationships" xmlns:p="http://schemas.openxmlformats.org/presentationml/2006/main">
+  <p:cSld>
+    <p:spTree>
+      <p:nvGrpSpPr>
+        <p:cNvPr id="1" name=""/>
+        <p:cNvGrpSpPr/>
+        <p:nvPr/>
+      </p:nvGrpSpPr>
+      <p:grpSpPr/>
+      <p:pic>
+        <p:nvPicPr>
+          <p:cNvPr id="6" name="Picture 5" descr="tex1"/>
+          <p:cNvPicPr>
+            <a:picLocks noChangeAspect="1"/>
+          </p:cNvPicPr>
+          <p:nvPr/>
+        </p:nvPicPr>
+        <p:blipFill>
+          <a:blip r:embed="rId1"/>
+          <a:stretch>
+            <a:fillRect/>
+          </a:stretch>
+        </p:blipFill>
+        <p:spPr>
+          <a:xfrm>
+            <a:off x="933450" y="495935"/>
+            <a:ext cx="2310765" cy="4386580"/>
+          </a:xfrm>
+          <a:prstGeom prst="rect">
+            <a:avLst/>
+          </a:prstGeom>
+        </p:spPr>
+      </p:pic>
+      <p:pic>
+        <p:nvPicPr>
+          <p:cNvPr id="4" name="Picture 3"/>
+          <p:cNvPicPr>
+            <a:picLocks noChangeAspect="1"/>
+          </p:cNvPicPr>
+          <p:nvPr/>
+        </p:nvPicPr>
+        <p:blipFill>
+          <a:blip r:embed="rId2">
+            <a:clrChange>
+              <a:clrFrom>
+                <a:srgbClr val="000000">
+                  <a:alpha val="100000"/>
+                </a:srgbClr>
+              </a:clrFrom>
+              <a:clrTo>
+                <a:srgbClr val="000000">
+                  <a:alpha val="100000"/>
+                  <a:alpha val="0"/>
+                </a:srgbClr>
+              </a:clrTo>
+            </a:clrChange>
+          </a:blip>
+          <a:stretch>
+            <a:fillRect/>
+          </a:stretch>
+        </p:blipFill>
+        <p:spPr>
+          <a:xfrm>
+            <a:off x="7073265" y="584835"/>
+            <a:ext cx="2715260" cy="4317365"/>
+          </a:xfrm>
+          <a:prstGeom prst="rect">
+            <a:avLst/>
+          </a:prstGeom>
+        </p:spPr>
+      </p:pic>
+      <p:pic>
+        <p:nvPicPr>
+          <p:cNvPr id="7" name="Picture 6" descr="beer-bottle"/>
+          <p:cNvPicPr>
+            <a:picLocks noChangeAspect="1"/>
+          </p:cNvPicPr>
+          <p:nvPr/>
+        </p:nvPicPr>
+        <p:blipFill>
+          <a:blip r:embed="rId3">
+            <a:lum contrast="6000"/>
+          </a:blip>
+          <a:stretch>
+            <a:fillRect/>
+          </a:stretch>
+        </p:blipFill>
+        <p:spPr>
+          <a:xfrm>
+            <a:off x="3625215" y="1210310"/>
+            <a:ext cx="3067050" cy="3067050"/>
+          </a:xfrm>
+          <a:prstGeom prst="rect">
+            <a:avLst/>
+          </a:prstGeom>
+        </p:spPr>
+      </p:pic>
+      <p:sp>
+        <p:nvSpPr>
+          <p:cNvPr id="14" name="Text Box 13"/>
+          <p:cNvSpPr txBox="1"/>
+          <p:nvPr/>
+        </p:nvSpPr>
+        <p:spPr>
+          <a:xfrm>
+            <a:off x="933450" y="4882515"/>
+            <a:ext cx="1899285" cy="645160"/>
+          </a:xfrm>
+          <a:prstGeom prst="rect">
+            <a:avLst/>
+          </a:prstGeom>
+          <a:noFill/>
+        </p:spPr>
+        <p:txBody>
+          <a:bodyPr wrap="square" rtlCol="0">
+            <a:spAutoFit/>
+          </a:bodyPr>
+          <a:p>
+            <a:pPr algn="ctr"/>
+            <a:r>
+              <a:rPr lang="en-US" altLang="en-US"/>
+              <a:t>Mesh</a:t>
+            </a:r>
+            <a:endParaRPr lang="en-US" altLang="en-US"/>
+          </a:p>
+          <a:p>
+            <a:pPr algn="ctr"/>
+            <a:r>
+              <a:rPr lang="" altLang="en-US"/>
+              <a:t>Positions + UV</a:t>
+            </a:r>
+            <a:endParaRPr lang="" altLang="en-US"/>
+          </a:p>
+        </p:txBody>
+      </p:sp>
+      <p:sp>
+        <p:nvSpPr>
+          <p:cNvPr id="8" name="Text Box 7"/>
+          <p:cNvSpPr txBox="1"/>
+          <p:nvPr/>
+        </p:nvSpPr>
+        <p:spPr>
+          <a:xfrm>
+            <a:off x="4208780" y="4902200"/>
+            <a:ext cx="1899285" cy="368300"/>
+          </a:xfrm>
+          <a:prstGeom prst="rect">
+            <a:avLst/>
+          </a:prstGeom>
+          <a:noFill/>
+        </p:spPr>
+        <p:txBody>
+          <a:bodyPr wrap="square" rtlCol="0">
+            <a:spAutoFit/>
+          </a:bodyPr>
+          <a:p>
+            <a:pPr algn="ctr"/>
+            <a:r>
+              <a:rPr lang="" altLang="en-US"/>
+              <a:t>Texture</a:t>
+            </a:r>
+            <a:endParaRPr lang="" altLang="en-US"/>
+          </a:p>
+        </p:txBody>
+      </p:sp>
+      <p:sp>
+        <p:nvSpPr>
+          <p:cNvPr id="9" name="Text Box 8"/>
+          <p:cNvSpPr txBox="1"/>
+          <p:nvPr/>
+        </p:nvSpPr>
+        <p:spPr>
+          <a:xfrm>
+            <a:off x="2832735" y="2661920"/>
+            <a:ext cx="565785" cy="645160"/>
+          </a:xfrm>
+          <a:prstGeom prst="rect">
+            <a:avLst/>
+          </a:prstGeom>
+          <a:noFill/>
+        </p:spPr>
+        <p:txBody>
+          <a:bodyPr wrap="none" rtlCol="0">
+            <a:spAutoFit/>
+          </a:bodyPr>
+          <a:p>
+            <a:r>
+              <a:rPr lang="" altLang="en-US" sz="3600"/>
+              <a:t>+</a:t>
+            </a:r>
+            <a:endParaRPr lang="" altLang="en-US" sz="3600"/>
+          </a:p>
+        </p:txBody>
+      </p:sp>
+      <p:sp>
+        <p:nvSpPr>
+          <p:cNvPr id="10" name="Text Box 9"/>
+          <p:cNvSpPr txBox="1"/>
+          <p:nvPr/>
+        </p:nvSpPr>
+        <p:spPr>
+          <a:xfrm>
+            <a:off x="6912610" y="2661920"/>
+            <a:ext cx="565785" cy="645160"/>
+          </a:xfrm>
+          <a:prstGeom prst="rect">
+            <a:avLst/>
+          </a:prstGeom>
+          <a:noFill/>
+        </p:spPr>
+        <p:txBody>
+          <a:bodyPr wrap="none" rtlCol="0">
+            <a:spAutoFit/>
+          </a:bodyPr>
+          <a:p>
+            <a:r>
+              <a:rPr lang="" altLang="en-US" sz="3600"/>
+              <a:t>=</a:t>
+            </a:r>
+            <a:endParaRPr lang="" altLang="en-US" sz="3600"/>
+          </a:p>
+        </p:txBody>
+      </p:sp>
+      <p:sp>
+        <p:nvSpPr>
+          <p:cNvPr id="17" name="Text Box 16"/>
+          <p:cNvSpPr txBox="1"/>
+          <p:nvPr/>
+        </p:nvSpPr>
+        <p:spPr>
+          <a:xfrm>
+            <a:off x="203200" y="3544570"/>
+            <a:ext cx="1270000" cy="460375"/>
+          </a:xfrm>
+          <a:prstGeom prst="rect">
+            <a:avLst/>
+          </a:prstGeom>
+          <a:noFill/>
+        </p:spPr>
+        <p:txBody>
+          <a:bodyPr wrap="none" rtlCol="0">
+            <a:spAutoFit/>
+          </a:bodyPr>
+          <a:p>
+            <a:r>
+              <a:rPr lang="en-US" altLang="en-US" sz="1200"/>
+              <a:t>p : (</a:t>
+            </a:r>
+            <a:r>
+              <a:rPr lang="" altLang="en-US" sz="1200"/>
+              <a:t>9</a:t>
+            </a:r>
+            <a:r>
+              <a:rPr lang="en-US" altLang="en-US" sz="1200"/>
+              <a:t>;</a:t>
+            </a:r>
+            <a:r>
+              <a:rPr lang="" altLang="en-US" sz="1200"/>
+              <a:t>17</a:t>
+            </a:r>
+            <a:r>
+              <a:rPr lang="" altLang="en-US" sz="1200"/>
+              <a:t>;10</a:t>
+            </a:r>
+            <a:r>
+              <a:rPr lang="en-US" altLang="en-US" sz="1200"/>
+              <a:t>)</a:t>
+            </a:r>
+            <a:endParaRPr lang="en-US" altLang="en-US" sz="1200"/>
+          </a:p>
+          <a:p>
+            <a:r>
+              <a:rPr lang="en-US" altLang="en-US" sz="1200"/>
+              <a:t>uv : (0.</a:t>
+            </a:r>
+            <a:r>
+              <a:rPr lang="" altLang="en-US" sz="1200"/>
+              <a:t>4</a:t>
+            </a:r>
+            <a:r>
+              <a:rPr lang="en-US" altLang="en-US" sz="1200"/>
+              <a:t> ; 0</a:t>
+            </a:r>
+            <a:r>
+              <a:rPr lang="" altLang="en-US" sz="1200"/>
+              <a:t>.7</a:t>
+            </a:r>
+            <a:r>
+              <a:rPr lang="en-US" altLang="en-US" sz="1200"/>
+              <a:t>)</a:t>
+            </a:r>
+            <a:endParaRPr lang="en-US" altLang="en-US" sz="1200"/>
+          </a:p>
+        </p:txBody>
+      </p:sp>
+      <p:cxnSp>
+        <p:nvCxnSpPr>
+          <p:cNvPr id="11" name="Straight Arrow Connector 10"/>
+          <p:cNvCxnSpPr>
+            <a:stCxn id="17" idx="3"/>
+          </p:cNvCxnSpPr>
+          <p:nvPr/>
+        </p:nvCxnSpPr>
+        <p:spPr>
+          <a:xfrm>
+            <a:off x="1473200" y="3784600"/>
+            <a:ext cx="393700" cy="127635"/>
+          </a:xfrm>
+          <a:prstGeom prst="straightConnector1">
+            <a:avLst/>
+          </a:prstGeom>
+          <a:ln>
+            <a:solidFill>
+              <a:schemeClr val="tx1"/>
+            </a:solidFill>
+            <a:tailEnd type="arrow"/>
+          </a:ln>
+        </p:spPr>
+        <p:style>
+          <a:lnRef idx="1">
+            <a:schemeClr val="accent1"/>
+          </a:lnRef>
+          <a:fillRef idx="0">
+            <a:schemeClr val="accent1"/>
+          </a:fillRef>
+          <a:effectRef idx="0">
+            <a:schemeClr val="accent1"/>
+          </a:effectRef>
+          <a:fontRef idx="minor">
+            <a:schemeClr val="tx1"/>
+          </a:fontRef>
+        </p:style>
+      </p:cxnSp>
+      <p:cxnSp>
+        <p:nvCxnSpPr>
+          <p:cNvPr id="12" name="Straight Arrow Connector 11"/>
+          <p:cNvCxnSpPr/>
+          <p:nvPr/>
+        </p:nvCxnSpPr>
+        <p:spPr>
+          <a:xfrm flipV="1">
+            <a:off x="1914525" y="3719195"/>
+            <a:ext cx="2867025" cy="257175"/>
+          </a:xfrm>
+          <a:prstGeom prst="straightConnector1">
+            <a:avLst/>
+          </a:prstGeom>
+          <a:ln w="28575">
+            <a:solidFill>
+              <a:srgbClr val="FF0000"/>
+            </a:solidFill>
+            <a:tailEnd type="arrow"/>
+          </a:ln>
+        </p:spPr>
+        <p:style>
+          <a:lnRef idx="1">
+            <a:schemeClr val="accent1"/>
+          </a:lnRef>
+          <a:fillRef idx="0">
+            <a:schemeClr val="accent1"/>
+          </a:fillRef>
+          <a:effectRef idx="0">
+            <a:schemeClr val="accent1"/>
+          </a:effectRef>
+          <a:fontRef idx="minor">
+            <a:schemeClr val="tx1"/>
+          </a:fontRef>
+        </p:style>
+      </p:cxnSp>
+      <p:sp>
+        <p:nvSpPr>
+          <p:cNvPr id="15" name="Rectangle 14"/>
+          <p:cNvSpPr/>
+          <p:nvPr/>
+        </p:nvSpPr>
+        <p:spPr>
+          <a:xfrm>
+            <a:off x="4582795" y="3490595"/>
+            <a:ext cx="381000" cy="391795"/>
+          </a:xfrm>
+          <a:prstGeom prst="rect">
+            <a:avLst/>
+          </a:prstGeom>
+          <a:noFill/>
+          <a:ln w="76200">
+            <a:solidFill>
+              <a:srgbClr val="FF0000"/>
+            </a:solidFill>
+          </a:ln>
+          <a:extLst>
+            <a:ext uri="{909E8E84-426E-40DD-AFC4-6F175D3DCCD1}">
+              <a14:hiddenFill xmlns:a14="http://schemas.microsoft.com/office/drawing/2010/main">
+                <a:solidFill>
+                  <a:schemeClr val="accent1"/>
+                </a:solidFill>
+              </a14:hiddenFill>
+            </a:ext>
+          </a:extLst>
         </p:spPr>
         <p:style>
           <a:lnRef idx="2">

--- a/presentation/server/public/assets/Presentation1.pptx
+++ b/presentation/server/public/assets/Presentation1.pptx
@@ -12,6 +12,7 @@
     <p:sldId id="260" r:id="rId7"/>
     <p:sldId id="261" r:id="rId8"/>
     <p:sldId id="262" r:id="rId9"/>
+    <p:sldId id="263" r:id="rId10"/>
   </p:sldIdLst>
   <p:sldSz cx="12192000" cy="6858000"/>
   <p:notesSz cx="7103745" cy="10234295"/>
@@ -7822,10 +7823,10 @@
           </a:bodyPr>
           <a:p>
             <a:r>
-              <a:rPr lang="" altLang="en-US"/>
+              <a:rPr lang="en-US" altLang="en-US"/>
               <a:t>u</a:t>
             </a:r>
-            <a:endParaRPr lang="" altLang="en-US"/>
+            <a:endParaRPr lang="en-US" altLang="en-US"/>
           </a:p>
         </p:txBody>
       </p:sp>
@@ -7851,10 +7852,10 @@
           </a:bodyPr>
           <a:p>
             <a:r>
-              <a:rPr lang="" altLang="en-US"/>
+              <a:rPr lang="en-US" altLang="en-US"/>
               <a:t>v</a:t>
             </a:r>
-            <a:endParaRPr lang="" altLang="en-US"/>
+            <a:endParaRPr lang="en-US" altLang="en-US"/>
           </a:p>
         </p:txBody>
       </p:sp>
@@ -7880,14 +7881,14 @@
           </a:bodyPr>
           <a:p>
             <a:r>
-              <a:rPr lang="" altLang="en-US">
+              <a:rPr lang="en-US" altLang="en-US">
                 <a:solidFill>
                   <a:schemeClr val="tx2"/>
                 </a:solidFill>
               </a:rPr>
               <a:t>0</a:t>
             </a:r>
-            <a:endParaRPr lang="" altLang="en-US">
+            <a:endParaRPr lang="en-US" altLang="en-US">
               <a:solidFill>
                 <a:schemeClr val="tx2"/>
               </a:solidFill>
@@ -7917,14 +7918,14 @@
           </a:bodyPr>
           <a:p>
             <a:r>
-              <a:rPr lang="" altLang="en-US">
+              <a:rPr lang="en-US" altLang="en-US">
                 <a:solidFill>
                   <a:schemeClr val="tx2"/>
                 </a:solidFill>
               </a:rPr>
               <a:t>1</a:t>
             </a:r>
-            <a:endParaRPr lang="" altLang="en-US">
+            <a:endParaRPr lang="en-US" altLang="en-US">
               <a:solidFill>
                 <a:schemeClr val="tx2"/>
               </a:solidFill>
@@ -7995,7 +7996,7 @@
           </a:bodyPr>
           <a:p>
             <a:r>
-              <a:rPr lang="" altLang="en-US">
+              <a:rPr lang="en-US" altLang="en-US">
                 <a:solidFill>
                   <a:schemeClr val="accent6">
                     <a:lumMod val="75000"/>
@@ -8004,7 +8005,7 @@
               </a:rPr>
               <a:t>1</a:t>
             </a:r>
-            <a:endParaRPr lang="" altLang="en-US">
+            <a:endParaRPr lang="en-US" altLang="en-US">
               <a:solidFill>
                 <a:schemeClr val="accent6">
                   <a:lumMod val="75000"/>
@@ -9440,10 +9441,10 @@
           <a:p>
             <a:pPr algn="ctr"/>
             <a:r>
-              <a:rPr lang="" altLang="en-US"/>
+              <a:rPr lang="en-US" altLang="en-US"/>
               <a:t>Mesh</a:t>
             </a:r>
-            <a:endParaRPr lang="" altLang="en-US"/>
+            <a:endParaRPr lang="en-US" altLang="en-US"/>
           </a:p>
         </p:txBody>
       </p:sp>
@@ -9470,10 +9471,10 @@
           <a:p>
             <a:pPr algn="ctr"/>
             <a:r>
-              <a:rPr lang="" altLang="en-US"/>
+              <a:rPr lang="en-US" altLang="en-US"/>
               <a:t>Texture</a:t>
             </a:r>
-            <a:endParaRPr lang="" altLang="en-US"/>
+            <a:endParaRPr lang="en-US" altLang="en-US"/>
           </a:p>
         </p:txBody>
       </p:sp>
@@ -9499,17 +9500,17 @@
           </a:bodyPr>
           <a:p>
             <a:r>
-              <a:rPr lang="" altLang="en-US" sz="1200"/>
+              <a:rPr lang="en-US" altLang="en-US" sz="1200"/>
               <a:t>p : (0;0)</a:t>
             </a:r>
-            <a:endParaRPr lang="" altLang="en-US" sz="1200"/>
-          </a:p>
-          <a:p>
-            <a:r>
-              <a:rPr lang="" altLang="en-US" sz="1200"/>
+            <a:endParaRPr lang="en-US" altLang="en-US" sz="1200"/>
+          </a:p>
+          <a:p>
+            <a:r>
+              <a:rPr lang="en-US" altLang="en-US" sz="1200"/>
               <a:t>uv : (0;0)</a:t>
             </a:r>
-            <a:endParaRPr lang="" altLang="en-US" sz="1200"/>
+            <a:endParaRPr lang="en-US" altLang="en-US" sz="1200"/>
           </a:p>
         </p:txBody>
       </p:sp>
@@ -9543,15 +9544,7 @@
           <a:p>
             <a:r>
               <a:rPr lang="en-US" altLang="en-US" sz="1200"/>
-              <a:t>uv : (0</a:t>
-            </a:r>
-            <a:r>
-              <a:rPr lang="" altLang="en-US" sz="1200"/>
-              <a:t>.2 </a:t>
-            </a:r>
-            <a:r>
-              <a:rPr lang="en-US" altLang="en-US" sz="1200"/>
-              <a:t>; 0)</a:t>
+              <a:t>uv : (0.2 ; 0)</a:t>
             </a:r>
             <a:endParaRPr lang="en-US" altLang="en-US" sz="1200"/>
           </a:p>
@@ -9579,10 +9572,10 @@
           </a:bodyPr>
           <a:p>
             <a:r>
-              <a:rPr lang="" altLang="en-US" sz="1200"/>
+              <a:rPr lang="en-US" altLang="en-US" sz="1200"/>
               <a:t>...</a:t>
             </a:r>
-            <a:endParaRPr lang="" altLang="en-US" sz="1200"/>
+            <a:endParaRPr lang="en-US" altLang="en-US" sz="1200"/>
           </a:p>
         </p:txBody>
       </p:sp>
@@ -9667,26 +9660,14 @@
           <a:p>
             <a:r>
               <a:rPr lang="en-US" altLang="en-US" sz="1200"/>
-              <a:t>p : </a:t>
-            </a:r>
-            <a:r>
-              <a:rPr lang="" altLang="en-US" sz="1200"/>
-              <a:t>...</a:t>
+              <a:t>p : ...</a:t>
             </a:r>
             <a:endParaRPr lang="en-US" altLang="en-US" sz="1200"/>
           </a:p>
           <a:p>
             <a:r>
               <a:rPr lang="en-US" altLang="en-US" sz="1200"/>
-              <a:t>uv : (</a:t>
-            </a:r>
-            <a:r>
-              <a:rPr lang="" altLang="en-US" sz="1200"/>
-              <a:t>1</a:t>
-            </a:r>
-            <a:r>
-              <a:rPr lang="en-US" altLang="en-US" sz="1200"/>
-              <a:t> ; 0)</a:t>
+              <a:t>uv : (1 ; 0)</a:t>
             </a:r>
             <a:endParaRPr lang="en-US" altLang="en-US" sz="1200"/>
           </a:p>
@@ -9722,15 +9703,7 @@
           <a:p>
             <a:r>
               <a:rPr lang="en-US" altLang="en-US" sz="1200"/>
-              <a:t>uv : (1 ; </a:t>
-            </a:r>
-            <a:r>
-              <a:rPr lang="" altLang="en-US" sz="1200"/>
-              <a:t>1</a:t>
-            </a:r>
-            <a:r>
-              <a:rPr lang="en-US" altLang="en-US" sz="1200"/>
-              <a:t>)</a:t>
+              <a:t>uv : (1 ; 1)</a:t>
             </a:r>
             <a:endParaRPr lang="en-US" altLang="en-US" sz="1200"/>
           </a:p>
@@ -9766,15 +9739,7 @@
           <a:p>
             <a:r>
               <a:rPr lang="en-US" altLang="en-US" sz="1200"/>
-              <a:t>uv : (</a:t>
-            </a:r>
-            <a:r>
-              <a:rPr lang="" altLang="en-US" sz="1200"/>
-              <a:t>0</a:t>
-            </a:r>
-            <a:r>
-              <a:rPr lang="en-US" altLang="en-US" sz="1200"/>
-              <a:t> ; 1)</a:t>
+              <a:t>uv : (0 ; 1)</a:t>
             </a:r>
             <a:endParaRPr lang="en-US" altLang="en-US" sz="1200"/>
           </a:p>
@@ -10060,10 +10025,10 @@
           <a:p>
             <a:pPr algn="ctr"/>
             <a:r>
-              <a:rPr lang="" altLang="en-US"/>
+              <a:rPr lang="en-US" altLang="en-US"/>
               <a:t>Positions + UV</a:t>
             </a:r>
-            <a:endParaRPr lang="" altLang="en-US"/>
+            <a:endParaRPr lang="en-US" altLang="en-US"/>
           </a:p>
         </p:txBody>
       </p:sp>
@@ -10090,10 +10055,10 @@
           <a:p>
             <a:pPr algn="ctr"/>
             <a:r>
-              <a:rPr lang="" altLang="en-US"/>
+              <a:rPr lang="en-US" altLang="en-US"/>
               <a:t>Texture</a:t>
             </a:r>
-            <a:endParaRPr lang="" altLang="en-US"/>
+            <a:endParaRPr lang="en-US" altLang="en-US"/>
           </a:p>
         </p:txBody>
       </p:sp>
@@ -10119,10 +10084,10 @@
           </a:bodyPr>
           <a:p>
             <a:r>
-              <a:rPr lang="" altLang="en-US" sz="3600"/>
+              <a:rPr lang="en-US" altLang="en-US" sz="3600"/>
               <a:t>+</a:t>
             </a:r>
-            <a:endParaRPr lang="" altLang="en-US" sz="3600"/>
+            <a:endParaRPr lang="en-US" altLang="en-US" sz="3600"/>
           </a:p>
         </p:txBody>
       </p:sp>
@@ -10148,10 +10113,10 @@
           </a:bodyPr>
           <a:p>
             <a:r>
-              <a:rPr lang="" altLang="en-US" sz="3600"/>
+              <a:rPr lang="en-US" altLang="en-US" sz="3600"/>
               <a:t>=</a:t>
             </a:r>
-            <a:endParaRPr lang="" altLang="en-US" sz="3600"/>
+            <a:endParaRPr lang="en-US" altLang="en-US" sz="3600"/>
           </a:p>
         </p:txBody>
       </p:sp>
@@ -10178,50 +10143,14 @@
           <a:p>
             <a:r>
               <a:rPr lang="en-US" altLang="en-US" sz="1200"/>
-              <a:t>p : (</a:t>
-            </a:r>
-            <a:r>
-              <a:rPr lang="" altLang="en-US" sz="1200"/>
-              <a:t>9</a:t>
-            </a:r>
+              <a:t>p : (9;17;10)</a:t>
+            </a:r>
+            <a:endParaRPr lang="en-US" altLang="en-US" sz="1200"/>
+          </a:p>
+          <a:p>
             <a:r>
               <a:rPr lang="en-US" altLang="en-US" sz="1200"/>
-              <a:t>;</a:t>
-            </a:r>
-            <a:r>
-              <a:rPr lang="" altLang="en-US" sz="1200"/>
-              <a:t>17</a:t>
-            </a:r>
-            <a:r>
-              <a:rPr lang="" altLang="en-US" sz="1200"/>
-              <a:t>;10</a:t>
-            </a:r>
-            <a:r>
-              <a:rPr lang="en-US" altLang="en-US" sz="1200"/>
-              <a:t>)</a:t>
-            </a:r>
-            <a:endParaRPr lang="en-US" altLang="en-US" sz="1200"/>
-          </a:p>
-          <a:p>
-            <a:r>
-              <a:rPr lang="en-US" altLang="en-US" sz="1200"/>
-              <a:t>uv : (0.</a:t>
-            </a:r>
-            <a:r>
-              <a:rPr lang="" altLang="en-US" sz="1200"/>
-              <a:t>4</a:t>
-            </a:r>
-            <a:r>
-              <a:rPr lang="en-US" altLang="en-US" sz="1200"/>
-              <a:t> ; 0</a:t>
-            </a:r>
-            <a:r>
-              <a:rPr lang="" altLang="en-US" sz="1200"/>
-              <a:t>.7</a:t>
-            </a:r>
-            <a:r>
-              <a:rPr lang="en-US" altLang="en-US" sz="1200"/>
-              <a:t>)</a:t>
+              <a:t>uv : (0.4 ; 0.7)</a:t>
             </a:r>
             <a:endParaRPr lang="en-US" altLang="en-US" sz="1200"/>
           </a:p>
@@ -10352,6 +10281,578 @@
           <a:p>
             <a:pPr algn="ctr"/>
             <a:endParaRPr lang="en-US"/>
+          </a:p>
+        </p:txBody>
+      </p:sp>
+    </p:spTree>
+  </p:cSld>
+  <p:clrMapOvr>
+    <a:masterClrMapping/>
+  </p:clrMapOvr>
+</p:sld>
+</file>
+
+<file path=ppt/slides/slide8.xml><?xml version="1.0" encoding="utf-8"?>
+<p:sld xmlns:a="http://schemas.openxmlformats.org/drawingml/2006/main" xmlns:r="http://schemas.openxmlformats.org/officeDocument/2006/relationships" xmlns:p="http://schemas.openxmlformats.org/presentationml/2006/main">
+  <p:cSld>
+    <p:spTree>
+      <p:nvGrpSpPr>
+        <p:cNvPr id="1" name=""/>
+        <p:cNvGrpSpPr/>
+        <p:nvPr/>
+      </p:nvGrpSpPr>
+      <p:grpSpPr/>
+      <p:cxnSp>
+        <p:nvCxnSpPr>
+          <p:cNvPr id="5" name="Straight Arrow Connector 4"/>
+          <p:cNvCxnSpPr/>
+          <p:nvPr/>
+        </p:nvCxnSpPr>
+        <p:spPr>
+          <a:xfrm flipV="1">
+            <a:off x="1403350" y="2215515"/>
+            <a:ext cx="0" cy="2931795"/>
+          </a:xfrm>
+          <a:prstGeom prst="straightConnector1">
+            <a:avLst/>
+          </a:prstGeom>
+          <a:ln>
+            <a:tailEnd type="arrow"/>
+          </a:ln>
+        </p:spPr>
+        <p:style>
+          <a:lnRef idx="1">
+            <a:schemeClr val="accent1"/>
+          </a:lnRef>
+          <a:fillRef idx="0">
+            <a:schemeClr val="accent1"/>
+          </a:fillRef>
+          <a:effectRef idx="0">
+            <a:schemeClr val="accent1"/>
+          </a:effectRef>
+          <a:fontRef idx="minor">
+            <a:schemeClr val="tx1"/>
+          </a:fontRef>
+        </p:style>
+      </p:cxnSp>
+      <p:cxnSp>
+        <p:nvCxnSpPr>
+          <p:cNvPr id="6" name="Straight Arrow Connector 5"/>
+          <p:cNvCxnSpPr/>
+          <p:nvPr/>
+        </p:nvCxnSpPr>
+        <p:spPr>
+          <a:xfrm>
+            <a:off x="1403350" y="5147310"/>
+            <a:ext cx="4583430" cy="0"/>
+          </a:xfrm>
+          <a:prstGeom prst="straightConnector1">
+            <a:avLst/>
+          </a:prstGeom>
+          <a:ln>
+            <a:tailEnd type="arrow"/>
+          </a:ln>
+        </p:spPr>
+        <p:style>
+          <a:lnRef idx="1">
+            <a:schemeClr val="accent1"/>
+          </a:lnRef>
+          <a:fillRef idx="0">
+            <a:schemeClr val="accent1"/>
+          </a:fillRef>
+          <a:effectRef idx="0">
+            <a:schemeClr val="accent1"/>
+          </a:effectRef>
+          <a:fontRef idx="minor">
+            <a:schemeClr val="tx1"/>
+          </a:fontRef>
+        </p:style>
+      </p:cxnSp>
+      <p:sp>
+        <p:nvSpPr>
+          <p:cNvPr id="7" name="Rectangle 6"/>
+          <p:cNvSpPr/>
+          <p:nvPr/>
+        </p:nvSpPr>
+        <p:spPr>
+          <a:xfrm>
+            <a:off x="2259965" y="2659380"/>
+            <a:ext cx="1548765" cy="1125220"/>
+          </a:xfrm>
+          <a:prstGeom prst="rect">
+            <a:avLst/>
+          </a:prstGeom>
+          <a:ln>
+            <a:noFill/>
+          </a:ln>
+        </p:spPr>
+        <p:style>
+          <a:lnRef idx="2">
+            <a:schemeClr val="accent1">
+              <a:shade val="50000"/>
+            </a:schemeClr>
+          </a:lnRef>
+          <a:fillRef idx="1">
+            <a:schemeClr val="accent1"/>
+          </a:fillRef>
+          <a:effectRef idx="0">
+            <a:schemeClr val="accent1"/>
+          </a:effectRef>
+          <a:fontRef idx="minor">
+            <a:schemeClr val="lt1"/>
+          </a:fontRef>
+        </p:style>
+        <p:txBody>
+          <a:bodyPr rtlCol="0" anchor="ctr"/>
+          <a:p>
+            <a:pPr algn="ctr"/>
+            <a:endParaRPr lang="en-US"/>
+          </a:p>
+        </p:txBody>
+      </p:sp>
+      <p:sp>
+        <p:nvSpPr>
+          <p:cNvPr id="8" name="Rectangle 7"/>
+          <p:cNvSpPr/>
+          <p:nvPr/>
+        </p:nvSpPr>
+        <p:spPr>
+          <a:xfrm>
+            <a:off x="3460115" y="3509010"/>
+            <a:ext cx="1548765" cy="1125220"/>
+          </a:xfrm>
+          <a:prstGeom prst="rect">
+            <a:avLst/>
+          </a:prstGeom>
+          <a:solidFill>
+            <a:srgbClr val="C00000"/>
+          </a:solidFill>
+          <a:ln>
+            <a:noFill/>
+          </a:ln>
+        </p:spPr>
+        <p:style>
+          <a:lnRef idx="2">
+            <a:schemeClr val="accent1">
+              <a:shade val="50000"/>
+            </a:schemeClr>
+          </a:lnRef>
+          <a:fillRef idx="1">
+            <a:schemeClr val="accent1"/>
+          </a:fillRef>
+          <a:effectRef idx="0">
+            <a:schemeClr val="accent1"/>
+          </a:effectRef>
+          <a:fontRef idx="minor">
+            <a:schemeClr val="lt1"/>
+          </a:fontRef>
+        </p:style>
+        <p:txBody>
+          <a:bodyPr rtlCol="0" anchor="ctr"/>
+          <a:p>
+            <a:pPr algn="ctr"/>
+            <a:endParaRPr lang="en-US"/>
+          </a:p>
+        </p:txBody>
+      </p:sp>
+      <p:sp>
+        <p:nvSpPr>
+          <p:cNvPr id="9" name="Rectangle 8"/>
+          <p:cNvSpPr/>
+          <p:nvPr/>
+        </p:nvSpPr>
+        <p:spPr>
+          <a:xfrm>
+            <a:off x="3460115" y="3509010"/>
+            <a:ext cx="348615" cy="275590"/>
+          </a:xfrm>
+          <a:prstGeom prst="rect">
+            <a:avLst/>
+          </a:prstGeom>
+          <a:solidFill>
+            <a:srgbClr val="7030A0"/>
+          </a:solidFill>
+          <a:ln>
+            <a:noFill/>
+          </a:ln>
+        </p:spPr>
+        <p:style>
+          <a:lnRef idx="2">
+            <a:schemeClr val="accent1">
+              <a:shade val="50000"/>
+            </a:schemeClr>
+          </a:lnRef>
+          <a:fillRef idx="1">
+            <a:schemeClr val="accent1"/>
+          </a:fillRef>
+          <a:effectRef idx="0">
+            <a:schemeClr val="accent1"/>
+          </a:effectRef>
+          <a:fontRef idx="minor">
+            <a:schemeClr val="lt1"/>
+          </a:fontRef>
+        </p:style>
+        <p:txBody>
+          <a:bodyPr rtlCol="0" anchor="ctr"/>
+          <a:p>
+            <a:pPr algn="ctr"/>
+            <a:endParaRPr lang="en-US"/>
+          </a:p>
+        </p:txBody>
+      </p:sp>
+      <p:sp>
+        <p:nvSpPr>
+          <p:cNvPr id="10" name="Text Box 9"/>
+          <p:cNvSpPr txBox="1"/>
+          <p:nvPr/>
+        </p:nvSpPr>
+        <p:spPr>
+          <a:xfrm>
+            <a:off x="1085215" y="1847215"/>
+            <a:ext cx="318135" cy="368300"/>
+          </a:xfrm>
+          <a:prstGeom prst="rect">
+            <a:avLst/>
+          </a:prstGeom>
+          <a:noFill/>
+        </p:spPr>
+        <p:txBody>
+          <a:bodyPr wrap="none" rtlCol="0">
+            <a:spAutoFit/>
+          </a:bodyPr>
+          <a:p>
+            <a:r>
+              <a:rPr lang="" altLang="en-US"/>
+              <a:t>y</a:t>
+            </a:r>
+            <a:endParaRPr lang="" altLang="en-US"/>
+          </a:p>
+        </p:txBody>
+      </p:sp>
+      <p:sp>
+        <p:nvSpPr>
+          <p:cNvPr id="12" name="Text Box 11"/>
+          <p:cNvSpPr txBox="1"/>
+          <p:nvPr/>
+        </p:nvSpPr>
+        <p:spPr>
+          <a:xfrm>
+            <a:off x="5936615" y="5147310"/>
+            <a:ext cx="318135" cy="368300"/>
+          </a:xfrm>
+          <a:prstGeom prst="rect">
+            <a:avLst/>
+          </a:prstGeom>
+          <a:noFill/>
+        </p:spPr>
+        <p:txBody>
+          <a:bodyPr wrap="none" rtlCol="0">
+            <a:spAutoFit/>
+          </a:bodyPr>
+          <a:p>
+            <a:r>
+              <a:rPr lang="" altLang="en-US"/>
+              <a:t>x</a:t>
+            </a:r>
+            <a:endParaRPr lang="" altLang="en-US"/>
+          </a:p>
+        </p:txBody>
+      </p:sp>
+      <p:cxnSp>
+        <p:nvCxnSpPr>
+          <p:cNvPr id="13" name="Straight Connector 12"/>
+          <p:cNvCxnSpPr/>
+          <p:nvPr/>
+        </p:nvCxnSpPr>
+        <p:spPr>
+          <a:xfrm>
+            <a:off x="2259965" y="3784600"/>
+            <a:ext cx="0" cy="1362710"/>
+          </a:xfrm>
+          <a:prstGeom prst="line">
+            <a:avLst/>
+          </a:prstGeom>
+          <a:ln>
+            <a:prstDash val="dash"/>
+          </a:ln>
+        </p:spPr>
+        <p:style>
+          <a:lnRef idx="1">
+            <a:schemeClr val="accent1"/>
+          </a:lnRef>
+          <a:fillRef idx="0">
+            <a:schemeClr val="accent1"/>
+          </a:fillRef>
+          <a:effectRef idx="0">
+            <a:schemeClr val="accent1"/>
+          </a:effectRef>
+          <a:fontRef idx="minor">
+            <a:schemeClr val="tx1"/>
+          </a:fontRef>
+        </p:style>
+      </p:cxnSp>
+      <p:cxnSp>
+        <p:nvCxnSpPr>
+          <p:cNvPr id="14" name="Straight Connector 13"/>
+          <p:cNvCxnSpPr/>
+          <p:nvPr/>
+        </p:nvCxnSpPr>
+        <p:spPr>
+          <a:xfrm>
+            <a:off x="3788410" y="3786505"/>
+            <a:ext cx="0" cy="1362710"/>
+          </a:xfrm>
+          <a:prstGeom prst="line">
+            <a:avLst/>
+          </a:prstGeom>
+          <a:ln>
+            <a:prstDash val="dash"/>
+          </a:ln>
+        </p:spPr>
+        <p:style>
+          <a:lnRef idx="1">
+            <a:schemeClr val="accent1"/>
+          </a:lnRef>
+          <a:fillRef idx="0">
+            <a:schemeClr val="accent1"/>
+          </a:fillRef>
+          <a:effectRef idx="0">
+            <a:schemeClr val="accent1"/>
+          </a:effectRef>
+          <a:fontRef idx="minor">
+            <a:schemeClr val="tx1"/>
+          </a:fontRef>
+        </p:style>
+      </p:cxnSp>
+      <p:cxnSp>
+        <p:nvCxnSpPr>
+          <p:cNvPr id="15" name="Straight Connector 14"/>
+          <p:cNvCxnSpPr/>
+          <p:nvPr/>
+        </p:nvCxnSpPr>
+        <p:spPr>
+          <a:xfrm>
+            <a:off x="4988560" y="4620895"/>
+            <a:ext cx="0" cy="526415"/>
+          </a:xfrm>
+          <a:prstGeom prst="line">
+            <a:avLst/>
+          </a:prstGeom>
+          <a:ln>
+            <a:solidFill>
+              <a:srgbClr val="C00000"/>
+            </a:solidFill>
+            <a:prstDash val="dash"/>
+          </a:ln>
+        </p:spPr>
+        <p:style>
+          <a:lnRef idx="1">
+            <a:schemeClr val="accent1"/>
+          </a:lnRef>
+          <a:fillRef idx="0">
+            <a:schemeClr val="accent1"/>
+          </a:fillRef>
+          <a:effectRef idx="0">
+            <a:schemeClr val="accent1"/>
+          </a:effectRef>
+          <a:fontRef idx="minor">
+            <a:schemeClr val="tx1"/>
+          </a:fontRef>
+        </p:style>
+      </p:cxnSp>
+      <p:cxnSp>
+        <p:nvCxnSpPr>
+          <p:cNvPr id="16" name="Straight Connector 15"/>
+          <p:cNvCxnSpPr/>
+          <p:nvPr/>
+        </p:nvCxnSpPr>
+        <p:spPr>
+          <a:xfrm>
+            <a:off x="3470275" y="4620895"/>
+            <a:ext cx="0" cy="526415"/>
+          </a:xfrm>
+          <a:prstGeom prst="line">
+            <a:avLst/>
+          </a:prstGeom>
+          <a:ln>
+            <a:solidFill>
+              <a:srgbClr val="C00000"/>
+            </a:solidFill>
+            <a:prstDash val="dash"/>
+          </a:ln>
+        </p:spPr>
+        <p:style>
+          <a:lnRef idx="1">
+            <a:schemeClr val="accent1"/>
+          </a:lnRef>
+          <a:fillRef idx="0">
+            <a:schemeClr val="accent1"/>
+          </a:fillRef>
+          <a:effectRef idx="0">
+            <a:schemeClr val="accent1"/>
+          </a:effectRef>
+          <a:fontRef idx="minor">
+            <a:schemeClr val="tx1"/>
+          </a:fontRef>
+        </p:style>
+      </p:cxnSp>
+      <p:sp>
+        <p:nvSpPr>
+          <p:cNvPr id="17" name="Text Box 16"/>
+          <p:cNvSpPr txBox="1"/>
+          <p:nvPr/>
+        </p:nvSpPr>
+        <p:spPr>
+          <a:xfrm>
+            <a:off x="1948180" y="5149215"/>
+            <a:ext cx="623570" cy="306705"/>
+          </a:xfrm>
+          <a:prstGeom prst="rect">
+            <a:avLst/>
+          </a:prstGeom>
+          <a:noFill/>
+        </p:spPr>
+        <p:txBody>
+          <a:bodyPr wrap="none" rtlCol="0">
+            <a:spAutoFit/>
+          </a:bodyPr>
+          <a:p>
+            <a:pPr algn="ctr"/>
+            <a:r>
+              <a:rPr lang="" altLang="en-US" sz="1400">
+                <a:solidFill>
+                  <a:schemeClr val="accent5"/>
+                </a:solidFill>
+              </a:rPr>
+              <a:t>xmin</a:t>
+            </a:r>
+            <a:endParaRPr lang="" altLang="en-US" sz="1400">
+              <a:solidFill>
+                <a:schemeClr val="accent5"/>
+              </a:solidFill>
+            </a:endParaRPr>
+          </a:p>
+        </p:txBody>
+      </p:sp>
+      <p:sp>
+        <p:nvSpPr>
+          <p:cNvPr id="18" name="Text Box 17"/>
+          <p:cNvSpPr txBox="1"/>
+          <p:nvPr/>
+        </p:nvSpPr>
+        <p:spPr>
+          <a:xfrm>
+            <a:off x="3649028" y="5147310"/>
+            <a:ext cx="676275" cy="306705"/>
+          </a:xfrm>
+          <a:prstGeom prst="rect">
+            <a:avLst/>
+          </a:prstGeom>
+          <a:noFill/>
+        </p:spPr>
+        <p:txBody>
+          <a:bodyPr wrap="none" rtlCol="0">
+            <a:spAutoFit/>
+          </a:bodyPr>
+          <a:p>
+            <a:pPr algn="ctr"/>
+            <a:r>
+              <a:rPr lang="en-US" altLang="en-US" sz="1400">
+                <a:solidFill>
+                  <a:schemeClr val="accent5"/>
+                </a:solidFill>
+              </a:rPr>
+              <a:t>xm</a:t>
+            </a:r>
+            <a:r>
+              <a:rPr lang="" altLang="en-US" sz="1400">
+                <a:solidFill>
+                  <a:schemeClr val="accent5"/>
+                </a:solidFill>
+              </a:rPr>
+              <a:t>ax</a:t>
+            </a:r>
+            <a:endParaRPr lang="" altLang="en-US" sz="1400">
+              <a:solidFill>
+                <a:schemeClr val="accent5"/>
+              </a:solidFill>
+            </a:endParaRPr>
+          </a:p>
+        </p:txBody>
+      </p:sp>
+      <p:sp>
+        <p:nvSpPr>
+          <p:cNvPr id="19" name="Text Box 18"/>
+          <p:cNvSpPr txBox="1"/>
+          <p:nvPr/>
+        </p:nvSpPr>
+        <p:spPr>
+          <a:xfrm>
+            <a:off x="4650423" y="5147310"/>
+            <a:ext cx="676275" cy="306705"/>
+          </a:xfrm>
+          <a:prstGeom prst="rect">
+            <a:avLst/>
+          </a:prstGeom>
+          <a:noFill/>
+        </p:spPr>
+        <p:txBody>
+          <a:bodyPr wrap="none" rtlCol="0">
+            <a:spAutoFit/>
+          </a:bodyPr>
+          <a:p>
+            <a:pPr algn="ctr"/>
+            <a:r>
+              <a:rPr lang="en-US" altLang="en-US" sz="1400">
+                <a:solidFill>
+                  <a:srgbClr val="C00000"/>
+                </a:solidFill>
+              </a:rPr>
+              <a:t>xmax</a:t>
+            </a:r>
+            <a:endParaRPr lang="en-US" altLang="en-US" sz="1400">
+              <a:solidFill>
+                <a:srgbClr val="C00000"/>
+              </a:solidFill>
+            </a:endParaRPr>
+          </a:p>
+        </p:txBody>
+      </p:sp>
+      <p:sp>
+        <p:nvSpPr>
+          <p:cNvPr id="20" name="Text Box 19"/>
+          <p:cNvSpPr txBox="1"/>
+          <p:nvPr/>
+        </p:nvSpPr>
+        <p:spPr>
+          <a:xfrm>
+            <a:off x="3025775" y="5147310"/>
+            <a:ext cx="623570" cy="306705"/>
+          </a:xfrm>
+          <a:prstGeom prst="rect">
+            <a:avLst/>
+          </a:prstGeom>
+          <a:noFill/>
+        </p:spPr>
+        <p:txBody>
+          <a:bodyPr wrap="none" rtlCol="0">
+            <a:spAutoFit/>
+          </a:bodyPr>
+          <a:p>
+            <a:pPr algn="ctr"/>
+            <a:r>
+              <a:rPr lang="en-US" altLang="en-US" sz="1400">
+                <a:solidFill>
+                  <a:srgbClr val="C00000"/>
+                </a:solidFill>
+              </a:rPr>
+              <a:t>xmin</a:t>
+            </a:r>
+            <a:endParaRPr lang="en-US" altLang="en-US" sz="1400">
+              <a:solidFill>
+                <a:srgbClr val="C00000"/>
+              </a:solidFill>
+            </a:endParaRPr>
           </a:p>
         </p:txBody>
       </p:sp>

--- a/presentation/server/public/assets/Presentation1.pptx
+++ b/presentation/server/public/assets/Presentation1.pptx
@@ -7809,7 +7809,7 @@
         </p:nvSpPr>
         <p:spPr>
           <a:xfrm>
-            <a:off x="8500110" y="1299845"/>
+            <a:off x="8500110" y="1266825"/>
             <a:ext cx="327660" cy="368300"/>
           </a:xfrm>
           <a:prstGeom prst="rect">
@@ -7823,10 +7823,10 @@
           </a:bodyPr>
           <a:p>
             <a:r>
-              <a:rPr lang="en-US" altLang="en-US"/>
+              <a:rPr lang="en-US" altLang="en-US" i="1"/>
               <a:t>u</a:t>
             </a:r>
-            <a:endParaRPr lang="en-US" altLang="en-US"/>
+            <a:endParaRPr lang="en-US" altLang="en-US" i="1"/>
           </a:p>
         </p:txBody>
       </p:sp>
@@ -7852,10 +7852,10 @@
           </a:bodyPr>
           <a:p>
             <a:r>
-              <a:rPr lang="en-US" altLang="en-US"/>
+              <a:rPr lang="en-US" altLang="en-US" i="1"/>
               <a:t>v</a:t>
             </a:r>
-            <a:endParaRPr lang="en-US" altLang="en-US"/>
+            <a:endParaRPr lang="en-US" altLang="en-US" i="1"/>
           </a:p>
         </p:txBody>
       </p:sp>
@@ -7867,8 +7867,8 @@
         </p:nvSpPr>
         <p:spPr>
           <a:xfrm>
-            <a:off x="6706870" y="1572895"/>
-            <a:ext cx="328295" cy="368300"/>
+            <a:off x="6805930" y="1605915"/>
+            <a:ext cx="295910" cy="306705"/>
           </a:xfrm>
           <a:prstGeom prst="rect">
             <a:avLst/>
@@ -7881,16 +7881,16 @@
           </a:bodyPr>
           <a:p>
             <a:r>
-              <a:rPr lang="en-US" altLang="en-US">
+              <a:rPr lang="en-US" altLang="en-US" sz="1400">
                 <a:solidFill>
-                  <a:schemeClr val="tx2"/>
+                  <a:schemeClr val="accent5"/>
                 </a:solidFill>
               </a:rPr>
               <a:t>0</a:t>
             </a:r>
-            <a:endParaRPr lang="en-US" altLang="en-US">
+            <a:endParaRPr lang="en-US" altLang="en-US" sz="1400">
               <a:solidFill>
-                <a:schemeClr val="tx2"/>
+                <a:schemeClr val="accent5"/>
               </a:solidFill>
             </a:endParaRPr>
           </a:p>
@@ -7904,8 +7904,8 @@
         </p:nvSpPr>
         <p:spPr>
           <a:xfrm>
-            <a:off x="6645275" y="4495800"/>
-            <a:ext cx="328295" cy="368300"/>
+            <a:off x="6802120" y="4471035"/>
+            <a:ext cx="295910" cy="306705"/>
           </a:xfrm>
           <a:prstGeom prst="rect">
             <a:avLst/>
@@ -7918,16 +7918,16 @@
           </a:bodyPr>
           <a:p>
             <a:r>
-              <a:rPr lang="en-US" altLang="en-US">
+              <a:rPr lang="en-US" altLang="en-US" sz="1400">
                 <a:solidFill>
-                  <a:schemeClr val="tx2"/>
+                  <a:schemeClr val="accent5"/>
                 </a:solidFill>
               </a:rPr>
               <a:t>1</a:t>
             </a:r>
-            <a:endParaRPr lang="en-US" altLang="en-US">
+            <a:endParaRPr lang="en-US" altLang="en-US" sz="1400">
               <a:solidFill>
-                <a:schemeClr val="tx2"/>
+                <a:schemeClr val="accent5"/>
               </a:solidFill>
             </a:endParaRPr>
           </a:p>
@@ -7941,8 +7941,8 @@
         </p:nvSpPr>
         <p:spPr>
           <a:xfrm>
-            <a:off x="6996430" y="1149350"/>
-            <a:ext cx="328295" cy="368300"/>
+            <a:off x="6996430" y="1322705"/>
+            <a:ext cx="295910" cy="306705"/>
           </a:xfrm>
           <a:prstGeom prst="rect">
             <a:avLst/>
@@ -7955,20 +7955,16 @@
           </a:bodyPr>
           <a:p>
             <a:r>
-              <a:rPr lang="en-US" altLang="en-US">
+              <a:rPr lang="en-US" altLang="en-US" sz="1400">
                 <a:solidFill>
-                  <a:schemeClr val="accent6">
-                    <a:lumMod val="75000"/>
-                  </a:schemeClr>
+                  <a:schemeClr val="accent6"/>
                 </a:solidFill>
               </a:rPr>
               <a:t>0</a:t>
             </a:r>
-            <a:endParaRPr lang="en-US" altLang="en-US">
+            <a:endParaRPr lang="en-US" altLang="en-US" sz="1400">
               <a:solidFill>
-                <a:schemeClr val="accent6">
-                  <a:lumMod val="75000"/>
-                </a:schemeClr>
+                <a:schemeClr val="accent6"/>
               </a:solidFill>
             </a:endParaRPr>
           </a:p>
@@ -7982,8 +7978,8 @@
         </p:nvSpPr>
         <p:spPr>
           <a:xfrm>
-            <a:off x="10006330" y="1149350"/>
-            <a:ext cx="328295" cy="368300"/>
+            <a:off x="10006330" y="1322705"/>
+            <a:ext cx="295910" cy="306705"/>
           </a:xfrm>
           <a:prstGeom prst="rect">
             <a:avLst/>
@@ -7996,20 +7992,16 @@
           </a:bodyPr>
           <a:p>
             <a:r>
-              <a:rPr lang="en-US" altLang="en-US">
+              <a:rPr lang="en-US" altLang="en-US" sz="1400">
                 <a:solidFill>
-                  <a:schemeClr val="accent6">
-                    <a:lumMod val="75000"/>
-                  </a:schemeClr>
+                  <a:schemeClr val="accent6"/>
                 </a:solidFill>
               </a:rPr>
               <a:t>1</a:t>
             </a:r>
-            <a:endParaRPr lang="en-US" altLang="en-US">
+            <a:endParaRPr lang="en-US" altLang="en-US" sz="1400">
               <a:solidFill>
-                <a:schemeClr val="accent6">
-                  <a:lumMod val="75000"/>
-                </a:schemeClr>
+                <a:schemeClr val="accent6"/>
               </a:solidFill>
             </a:endParaRPr>
           </a:p>
@@ -9753,15 +9745,15 @@
         </p:nvCxnSpPr>
         <p:spPr>
           <a:xfrm>
-            <a:off x="3876675" y="1042670"/>
-            <a:ext cx="5362575" cy="638175"/>
+            <a:off x="1181100" y="1828165"/>
+            <a:ext cx="5963285" cy="476885"/>
           </a:xfrm>
           <a:prstGeom prst="line">
             <a:avLst/>
           </a:prstGeom>
           <a:ln>
             <a:solidFill>
-              <a:schemeClr val="bg1">
+              <a:schemeClr val="accent2">
                 <a:lumMod val="75000"/>
               </a:schemeClr>
             </a:solidFill>
@@ -9801,7 +9793,7 @@
           </a:prstGeom>
           <a:ln>
             <a:solidFill>
-              <a:schemeClr val="bg1">
+              <a:schemeClr val="accent2">
                 <a:lumMod val="75000"/>
               </a:schemeClr>
             </a:solidFill>
@@ -9866,7 +9858,7 @@
           </a:prstGeom>
           <a:ln>
             <a:solidFill>
-              <a:schemeClr val="bg1">
+              <a:schemeClr val="accent2">
                 <a:lumMod val="75000"/>
               </a:schemeClr>
             </a:solidFill>
@@ -10522,10 +10514,10 @@
           </a:bodyPr>
           <a:p>
             <a:r>
-              <a:rPr lang="" altLang="en-US"/>
+              <a:rPr lang="en-US" altLang="en-US"/>
               <a:t>y</a:t>
             </a:r>
-            <a:endParaRPr lang="" altLang="en-US"/>
+            <a:endParaRPr lang="en-US" altLang="en-US"/>
           </a:p>
         </p:txBody>
       </p:sp>
@@ -10551,10 +10543,10 @@
           </a:bodyPr>
           <a:p>
             <a:r>
-              <a:rPr lang="" altLang="en-US"/>
+              <a:rPr lang="en-US" altLang="en-US"/>
               <a:t>x</a:t>
             </a:r>
-            <a:endParaRPr lang="" altLang="en-US"/>
+            <a:endParaRPr lang="en-US" altLang="en-US"/>
           </a:p>
         </p:txBody>
       </p:sp>
@@ -10719,14 +10711,14 @@
           <a:p>
             <a:pPr algn="ctr"/>
             <a:r>
-              <a:rPr lang="" altLang="en-US" sz="1400">
+              <a:rPr lang="en-US" altLang="en-US" sz="1400">
                 <a:solidFill>
                   <a:schemeClr val="accent5"/>
                 </a:solidFill>
               </a:rPr>
               <a:t>xmin</a:t>
             </a:r>
-            <a:endParaRPr lang="" altLang="en-US" sz="1400">
+            <a:endParaRPr lang="en-US" altLang="en-US" sz="1400">
               <a:solidFill>
                 <a:schemeClr val="accent5"/>
               </a:solidFill>
@@ -10762,17 +10754,9 @@
                   <a:schemeClr val="accent5"/>
                 </a:solidFill>
               </a:rPr>
-              <a:t>xm</a:t>
-            </a:r>
-            <a:r>
-              <a:rPr lang="" altLang="en-US" sz="1400">
-                <a:solidFill>
-                  <a:schemeClr val="accent5"/>
-                </a:solidFill>
-              </a:rPr>
-              <a:t>ax</a:t>
-            </a:r>
-            <a:endParaRPr lang="" altLang="en-US" sz="1400">
+              <a:t>xmax</a:t>
+            </a:r>
+            <a:endParaRPr lang="en-US" altLang="en-US" sz="1400">
               <a:solidFill>
                 <a:schemeClr val="accent5"/>
               </a:solidFill>
